--- a/Python APIs.pptx
+++ b/Python APIs.pptx
@@ -7,37 +7,38 @@
   <p:sldIdLst>
     <p:sldId id="256" r:id="rId2"/>
     <p:sldId id="257" r:id="rId3"/>
-    <p:sldId id="258" r:id="rId4"/>
-    <p:sldId id="259" r:id="rId5"/>
-    <p:sldId id="260" r:id="rId6"/>
-    <p:sldId id="261" r:id="rId7"/>
-    <p:sldId id="262" r:id="rId8"/>
-    <p:sldId id="263" r:id="rId9"/>
-    <p:sldId id="269" r:id="rId10"/>
-    <p:sldId id="264" r:id="rId11"/>
-    <p:sldId id="265" r:id="rId12"/>
-    <p:sldId id="266" r:id="rId13"/>
-    <p:sldId id="267" r:id="rId14"/>
-    <p:sldId id="268" r:id="rId15"/>
-    <p:sldId id="270" r:id="rId16"/>
-    <p:sldId id="271" r:id="rId17"/>
-    <p:sldId id="272" r:id="rId18"/>
-    <p:sldId id="273" r:id="rId19"/>
-    <p:sldId id="274" r:id="rId20"/>
-    <p:sldId id="275" r:id="rId21"/>
-    <p:sldId id="276" r:id="rId22"/>
-    <p:sldId id="277" r:id="rId23"/>
-    <p:sldId id="278" r:id="rId24"/>
-    <p:sldId id="279" r:id="rId25"/>
-    <p:sldId id="280" r:id="rId26"/>
-    <p:sldId id="281" r:id="rId27"/>
-    <p:sldId id="282" r:id="rId28"/>
-    <p:sldId id="283" r:id="rId29"/>
-    <p:sldId id="284" r:id="rId30"/>
-    <p:sldId id="285" r:id="rId31"/>
-    <p:sldId id="286" r:id="rId32"/>
-    <p:sldId id="287" r:id="rId33"/>
-    <p:sldId id="288" r:id="rId34"/>
+    <p:sldId id="289" r:id="rId4"/>
+    <p:sldId id="258" r:id="rId5"/>
+    <p:sldId id="259" r:id="rId6"/>
+    <p:sldId id="260" r:id="rId7"/>
+    <p:sldId id="261" r:id="rId8"/>
+    <p:sldId id="262" r:id="rId9"/>
+    <p:sldId id="263" r:id="rId10"/>
+    <p:sldId id="269" r:id="rId11"/>
+    <p:sldId id="264" r:id="rId12"/>
+    <p:sldId id="265" r:id="rId13"/>
+    <p:sldId id="266" r:id="rId14"/>
+    <p:sldId id="267" r:id="rId15"/>
+    <p:sldId id="268" r:id="rId16"/>
+    <p:sldId id="270" r:id="rId17"/>
+    <p:sldId id="271" r:id="rId18"/>
+    <p:sldId id="272" r:id="rId19"/>
+    <p:sldId id="273" r:id="rId20"/>
+    <p:sldId id="274" r:id="rId21"/>
+    <p:sldId id="275" r:id="rId22"/>
+    <p:sldId id="276" r:id="rId23"/>
+    <p:sldId id="277" r:id="rId24"/>
+    <p:sldId id="278" r:id="rId25"/>
+    <p:sldId id="279" r:id="rId26"/>
+    <p:sldId id="280" r:id="rId27"/>
+    <p:sldId id="281" r:id="rId28"/>
+    <p:sldId id="282" r:id="rId29"/>
+    <p:sldId id="283" r:id="rId30"/>
+    <p:sldId id="284" r:id="rId31"/>
+    <p:sldId id="285" r:id="rId32"/>
+    <p:sldId id="286" r:id="rId33"/>
+    <p:sldId id="287" r:id="rId34"/>
+    <p:sldId id="288" r:id="rId35"/>
   </p:sldIdLst>
   <p:sldSz cx="12192000" cy="6858000"/>
   <p:notesSz cx="6858000" cy="9144000"/>
@@ -330,7 +331,7 @@
           <a:p>
             <a:fld id="{CE78B7AD-1E4A-BE48-8A8F-8D06D1A4C328}" type="datetimeFigureOut">
               <a:rPr lang="en-US" smtClean="0"/>
-              <a:t>4/7/2025</a:t>
+              <a:t>4/8/25</a:t>
             </a:fld>
             <a:endParaRPr lang="en-US"/>
           </a:p>
@@ -605,7 +606,7 @@
           <a:p>
             <a:fld id="{CE78B7AD-1E4A-BE48-8A8F-8D06D1A4C328}" type="datetimeFigureOut">
               <a:rPr lang="en-US" smtClean="0"/>
-              <a:t>4/7/2025</a:t>
+              <a:t>4/8/25</a:t>
             </a:fld>
             <a:endParaRPr lang="en-US"/>
           </a:p>
@@ -799,7 +800,7 @@
           <a:p>
             <a:fld id="{CE78B7AD-1E4A-BE48-8A8F-8D06D1A4C328}" type="datetimeFigureOut">
               <a:rPr lang="en-US" smtClean="0"/>
-              <a:t>4/7/2025</a:t>
+              <a:t>4/8/25</a:t>
             </a:fld>
             <a:endParaRPr lang="en-US"/>
           </a:p>
@@ -1072,7 +1073,7 @@
           <a:p>
             <a:fld id="{CE78B7AD-1E4A-BE48-8A8F-8D06D1A4C328}" type="datetimeFigureOut">
               <a:rPr lang="en-US" smtClean="0"/>
-              <a:t>4/7/2025</a:t>
+              <a:t>4/8/25</a:t>
             </a:fld>
             <a:endParaRPr lang="en-US"/>
           </a:p>
@@ -1413,7 +1414,7 @@
           <a:p>
             <a:fld id="{CE78B7AD-1E4A-BE48-8A8F-8D06D1A4C328}" type="datetimeFigureOut">
               <a:rPr lang="en-US" smtClean="0"/>
-              <a:t>4/7/2025</a:t>
+              <a:t>4/8/25</a:t>
             </a:fld>
             <a:endParaRPr lang="en-US"/>
           </a:p>
@@ -2036,7 +2037,7 @@
           <a:p>
             <a:fld id="{CE78B7AD-1E4A-BE48-8A8F-8D06D1A4C328}" type="datetimeFigureOut">
               <a:rPr lang="en-US" smtClean="0"/>
-              <a:t>4/7/2025</a:t>
+              <a:t>4/8/25</a:t>
             </a:fld>
             <a:endParaRPr lang="en-US"/>
           </a:p>
@@ -2896,7 +2897,7 @@
           <a:p>
             <a:fld id="{CE78B7AD-1E4A-BE48-8A8F-8D06D1A4C328}" type="datetimeFigureOut">
               <a:rPr lang="en-US" smtClean="0"/>
-              <a:t>4/7/2025</a:t>
+              <a:t>4/8/25</a:t>
             </a:fld>
             <a:endParaRPr lang="en-US"/>
           </a:p>
@@ -3066,7 +3067,7 @@
           <a:p>
             <a:fld id="{CE78B7AD-1E4A-BE48-8A8F-8D06D1A4C328}" type="datetimeFigureOut">
               <a:rPr lang="en-US" smtClean="0"/>
-              <a:t>4/7/2025</a:t>
+              <a:t>4/8/25</a:t>
             </a:fld>
             <a:endParaRPr lang="en-US"/>
           </a:p>
@@ -3246,7 +3247,7 @@
           <a:p>
             <a:fld id="{CE78B7AD-1E4A-BE48-8A8F-8D06D1A4C328}" type="datetimeFigureOut">
               <a:rPr lang="en-US" smtClean="0"/>
-              <a:t>4/7/2025</a:t>
+              <a:t>4/8/25</a:t>
             </a:fld>
             <a:endParaRPr lang="en-US"/>
           </a:p>
@@ -3416,7 +3417,7 @@
           <a:p>
             <a:fld id="{CE78B7AD-1E4A-BE48-8A8F-8D06D1A4C328}" type="datetimeFigureOut">
               <a:rPr lang="en-US" smtClean="0"/>
-              <a:t>4/7/2025</a:t>
+              <a:t>4/8/25</a:t>
             </a:fld>
             <a:endParaRPr lang="en-US"/>
           </a:p>
@@ -3663,7 +3664,7 @@
           <a:p>
             <a:fld id="{CE78B7AD-1E4A-BE48-8A8F-8D06D1A4C328}" type="datetimeFigureOut">
               <a:rPr lang="en-US" smtClean="0"/>
-              <a:t>4/7/2025</a:t>
+              <a:t>4/8/25</a:t>
             </a:fld>
             <a:endParaRPr lang="en-US"/>
           </a:p>
@@ -3955,7 +3956,7 @@
           <a:p>
             <a:fld id="{CE78B7AD-1E4A-BE48-8A8F-8D06D1A4C328}" type="datetimeFigureOut">
               <a:rPr lang="en-US" smtClean="0"/>
-              <a:t>4/7/2025</a:t>
+              <a:t>4/8/25</a:t>
             </a:fld>
             <a:endParaRPr lang="en-US"/>
           </a:p>
@@ -4399,7 +4400,7 @@
           <a:p>
             <a:fld id="{CE78B7AD-1E4A-BE48-8A8F-8D06D1A4C328}" type="datetimeFigureOut">
               <a:rPr lang="en-US" smtClean="0"/>
-              <a:t>4/7/2025</a:t>
+              <a:t>4/8/25</a:t>
             </a:fld>
             <a:endParaRPr lang="en-US"/>
           </a:p>
@@ -4517,7 +4518,7 @@
           <a:p>
             <a:fld id="{CE78B7AD-1E4A-BE48-8A8F-8D06D1A4C328}" type="datetimeFigureOut">
               <a:rPr lang="en-US" smtClean="0"/>
-              <a:t>4/7/2025</a:t>
+              <a:t>4/8/25</a:t>
             </a:fld>
             <a:endParaRPr lang="en-US"/>
           </a:p>
@@ -4612,7 +4613,7 @@
           <a:p>
             <a:fld id="{CE78B7AD-1E4A-BE48-8A8F-8D06D1A4C328}" type="datetimeFigureOut">
               <a:rPr lang="en-US" smtClean="0"/>
-              <a:t>4/7/2025</a:t>
+              <a:t>4/8/25</a:t>
             </a:fld>
             <a:endParaRPr lang="en-US"/>
           </a:p>
@@ -4891,7 +4892,7 @@
           <a:p>
             <a:fld id="{CE78B7AD-1E4A-BE48-8A8F-8D06D1A4C328}" type="datetimeFigureOut">
               <a:rPr lang="en-US" smtClean="0"/>
-              <a:t>4/7/2025</a:t>
+              <a:t>4/8/25</a:t>
             </a:fld>
             <a:endParaRPr lang="en-US"/>
           </a:p>
@@ -5166,7 +5167,7 @@
           <a:p>
             <a:fld id="{CE78B7AD-1E4A-BE48-8A8F-8D06D1A4C328}" type="datetimeFigureOut">
               <a:rPr lang="en-US" smtClean="0"/>
-              <a:t>4/7/2025</a:t>
+              <a:t>4/8/25</a:t>
             </a:fld>
             <a:endParaRPr lang="en-US"/>
           </a:p>
@@ -5595,7 +5596,7 @@
           <a:p>
             <a:fld id="{CE78B7AD-1E4A-BE48-8A8F-8D06D1A4C328}" type="datetimeFigureOut">
               <a:rPr lang="en-US" smtClean="0"/>
-              <a:t>4/7/2025</a:t>
+              <a:t>4/8/25</a:t>
             </a:fld>
             <a:endParaRPr lang="en-US"/>
           </a:p>
@@ -6208,6 +6209,379 @@
       </p:grpSpPr>
       <p:sp>
         <p:nvSpPr>
+          <p:cNvPr id="5" name="TextBox 4">
+            <a:extLst>
+              <a:ext uri="{FF2B5EF4-FFF2-40B4-BE49-F238E27FC236}">
+                <a16:creationId xmlns:a16="http://schemas.microsoft.com/office/drawing/2014/main" id="{56F3127A-E6F6-E41A-D071-C264DE5976C1}"/>
+              </a:ext>
+            </a:extLst>
+          </p:cNvPr>
+          <p:cNvSpPr txBox="1"/>
+          <p:nvPr/>
+        </p:nvSpPr>
+        <p:spPr>
+          <a:xfrm>
+            <a:off x="1443368" y="1238127"/>
+            <a:ext cx="8394813" cy="4666470"/>
+          </a:xfrm>
+          <a:prstGeom prst="rect">
+            <a:avLst/>
+          </a:prstGeom>
+          <a:noFill/>
+        </p:spPr>
+        <p:txBody>
+          <a:bodyPr wrap="square">
+            <a:spAutoFit/>
+          </a:bodyPr>
+          <a:lstStyle/>
+          <a:p>
+            <a:pPr>
+              <a:lnSpc>
+                <a:spcPct val="150000"/>
+              </a:lnSpc>
+              <a:buNone/>
+            </a:pPr>
+            <a:r>
+              <a:rPr lang="en-US" sz="2400" b="0" dirty="0">
+                <a:solidFill>
+                  <a:srgbClr val="D6D6DD"/>
+                </a:solidFill>
+                <a:effectLst/>
+                <a:latin typeface="Menlo" panose="020B0609030804020204" pitchFamily="49" charset="0"/>
+              </a:rPr>
+              <a:t>## API Endpoints</a:t>
+            </a:r>
+            <a:endParaRPr lang="en-US" sz="2400" b="0" dirty="0">
+              <a:solidFill>
+                <a:srgbClr val="D8DEE9"/>
+              </a:solidFill>
+              <a:effectLst/>
+              <a:latin typeface="Menlo" panose="020B0609030804020204" pitchFamily="49" charset="0"/>
+            </a:endParaRPr>
+          </a:p>
+          <a:p>
+            <a:pPr>
+              <a:lnSpc>
+                <a:spcPct val="150000"/>
+              </a:lnSpc>
+              <a:buNone/>
+            </a:pPr>
+            <a:br>
+              <a:rPr lang="en-US" sz="1600" b="0" dirty="0">
+                <a:solidFill>
+                  <a:srgbClr val="D8DEE9"/>
+                </a:solidFill>
+                <a:effectLst/>
+                <a:latin typeface="Menlo" panose="020B0609030804020204" pitchFamily="49" charset="0"/>
+              </a:rPr>
+            </a:br>
+            <a:r>
+              <a:rPr lang="en-US" sz="1600" b="0" dirty="0">
+                <a:solidFill>
+                  <a:srgbClr val="D8DEE9"/>
+                </a:solidFill>
+                <a:effectLst/>
+                <a:latin typeface="Menlo" panose="020B0609030804020204" pitchFamily="49" charset="0"/>
+              </a:rPr>
+              <a:t>- </a:t>
+            </a:r>
+            <a:r>
+              <a:rPr lang="en-US" sz="1600" b="0" dirty="0">
+                <a:solidFill>
+                  <a:srgbClr val="D6D6DD"/>
+                </a:solidFill>
+                <a:effectLst/>
+                <a:latin typeface="Menlo" panose="020B0609030804020204" pitchFamily="49" charset="0"/>
+              </a:rPr>
+              <a:t>List All Available Stocks</a:t>
+            </a:r>
+            <a:endParaRPr lang="en-US" sz="1600" b="0" dirty="0">
+              <a:solidFill>
+                <a:srgbClr val="D8DEE9"/>
+              </a:solidFill>
+              <a:effectLst/>
+              <a:latin typeface="Menlo" panose="020B0609030804020204" pitchFamily="49" charset="0"/>
+            </a:endParaRPr>
+          </a:p>
+          <a:p>
+            <a:pPr>
+              <a:lnSpc>
+                <a:spcPct val="150000"/>
+              </a:lnSpc>
+              <a:buNone/>
+            </a:pPr>
+            <a:r>
+              <a:rPr lang="en-US" sz="1600" b="0" dirty="0">
+                <a:solidFill>
+                  <a:srgbClr val="D8DEE9"/>
+                </a:solidFill>
+                <a:effectLst/>
+                <a:latin typeface="Menlo" panose="020B0609030804020204" pitchFamily="49" charset="0"/>
+              </a:rPr>
+              <a:t>	GET /</a:t>
+            </a:r>
+            <a:r>
+              <a:rPr lang="en-US" sz="1600" b="0" dirty="0" err="1">
+                <a:solidFill>
+                  <a:srgbClr val="D8DEE9"/>
+                </a:solidFill>
+                <a:effectLst/>
+                <a:latin typeface="Menlo" panose="020B0609030804020204" pitchFamily="49" charset="0"/>
+              </a:rPr>
+              <a:t>api</a:t>
+            </a:r>
+            <a:r>
+              <a:rPr lang="en-US" sz="1600" b="0" dirty="0">
+                <a:solidFill>
+                  <a:srgbClr val="D8DEE9"/>
+                </a:solidFill>
+                <a:effectLst/>
+                <a:latin typeface="Menlo" panose="020B0609030804020204" pitchFamily="49" charset="0"/>
+              </a:rPr>
+              <a:t>/stocks</a:t>
+            </a:r>
+          </a:p>
+          <a:p>
+            <a:pPr>
+              <a:lnSpc>
+                <a:spcPct val="150000"/>
+              </a:lnSpc>
+              <a:buNone/>
+            </a:pPr>
+            <a:r>
+              <a:rPr lang="en-US" sz="1600" b="0" dirty="0">
+                <a:solidFill>
+                  <a:srgbClr val="D8DEE9"/>
+                </a:solidFill>
+                <a:effectLst/>
+                <a:latin typeface="Menlo" panose="020B0609030804020204" pitchFamily="49" charset="0"/>
+              </a:rPr>
+              <a:t>	Returns a list of all available stock tickers.</a:t>
+            </a:r>
+            <a:br>
+              <a:rPr lang="en-US" sz="1600" b="0" dirty="0">
+                <a:solidFill>
+                  <a:srgbClr val="D8DEE9"/>
+                </a:solidFill>
+                <a:effectLst/>
+                <a:latin typeface="Menlo" panose="020B0609030804020204" pitchFamily="49" charset="0"/>
+              </a:rPr>
+            </a:br>
+            <a:r>
+              <a:rPr lang="en-US" sz="1600" dirty="0">
+                <a:solidFill>
+                  <a:srgbClr val="D6D6DD"/>
+                </a:solidFill>
+                <a:latin typeface="Menlo" panose="020B0609030804020204" pitchFamily="49" charset="0"/>
+              </a:rPr>
+              <a:t>- </a:t>
+            </a:r>
+            <a:r>
+              <a:rPr lang="en-US" sz="1600" b="0" dirty="0">
+                <a:solidFill>
+                  <a:srgbClr val="D6D6DD"/>
+                </a:solidFill>
+                <a:effectLst/>
+                <a:latin typeface="Menlo" panose="020B0609030804020204" pitchFamily="49" charset="0"/>
+              </a:rPr>
+              <a:t>Get Stock Data</a:t>
+            </a:r>
+            <a:endParaRPr lang="en-US" sz="1600" b="0" dirty="0">
+              <a:solidFill>
+                <a:srgbClr val="D8DEE9"/>
+              </a:solidFill>
+              <a:effectLst/>
+              <a:latin typeface="Menlo" panose="020B0609030804020204" pitchFamily="49" charset="0"/>
+            </a:endParaRPr>
+          </a:p>
+          <a:p>
+            <a:pPr>
+              <a:lnSpc>
+                <a:spcPct val="150000"/>
+              </a:lnSpc>
+              <a:buNone/>
+            </a:pPr>
+            <a:r>
+              <a:rPr lang="en-US" sz="1600" b="0" dirty="0">
+                <a:solidFill>
+                  <a:srgbClr val="D8DEE9"/>
+                </a:solidFill>
+                <a:effectLst/>
+                <a:latin typeface="Menlo" panose="020B0609030804020204" pitchFamily="49" charset="0"/>
+              </a:rPr>
+              <a:t>	GET /</a:t>
+            </a:r>
+            <a:r>
+              <a:rPr lang="en-US" sz="1600" b="0" dirty="0" err="1">
+                <a:solidFill>
+                  <a:srgbClr val="D8DEE9"/>
+                </a:solidFill>
+                <a:effectLst/>
+                <a:latin typeface="Menlo" panose="020B0609030804020204" pitchFamily="49" charset="0"/>
+              </a:rPr>
+              <a:t>api</a:t>
+            </a:r>
+            <a:r>
+              <a:rPr lang="en-US" sz="1600" b="0" dirty="0">
+                <a:solidFill>
+                  <a:srgbClr val="D8DEE9"/>
+                </a:solidFill>
+                <a:effectLst/>
+                <a:latin typeface="Menlo" panose="020B0609030804020204" pitchFamily="49" charset="0"/>
+              </a:rPr>
+              <a:t>/stock/&lt;ticker&gt;</a:t>
+            </a:r>
+          </a:p>
+          <a:p>
+            <a:pPr>
+              <a:lnSpc>
+                <a:spcPct val="150000"/>
+              </a:lnSpc>
+              <a:buNone/>
+            </a:pPr>
+            <a:r>
+              <a:rPr lang="en-US" sz="1600" b="0" dirty="0">
+                <a:solidFill>
+                  <a:srgbClr val="D8DEE9"/>
+                </a:solidFill>
+                <a:effectLst/>
+                <a:latin typeface="Menlo" panose="020B0609030804020204" pitchFamily="49" charset="0"/>
+              </a:rPr>
+              <a:t>	Get all data for a specific stock ticker.</a:t>
+            </a:r>
+            <a:br>
+              <a:rPr lang="en-US" sz="1600" b="0" dirty="0">
+                <a:solidFill>
+                  <a:srgbClr val="D8DEE9"/>
+                </a:solidFill>
+                <a:effectLst/>
+                <a:latin typeface="Menlo" panose="020B0609030804020204" pitchFamily="49" charset="0"/>
+              </a:rPr>
+            </a:br>
+            <a:r>
+              <a:rPr lang="en-US" sz="1600" b="0" dirty="0">
+                <a:solidFill>
+                  <a:srgbClr val="D6D6DD"/>
+                </a:solidFill>
+                <a:effectLst/>
+                <a:latin typeface="Menlo" panose="020B0609030804020204" pitchFamily="49" charset="0"/>
+              </a:rPr>
+              <a:t>- Get Stock Data for Specific Date</a:t>
+            </a:r>
+            <a:endParaRPr lang="en-US" sz="1600" b="0" dirty="0">
+              <a:solidFill>
+                <a:srgbClr val="D8DEE9"/>
+              </a:solidFill>
+              <a:effectLst/>
+              <a:latin typeface="Menlo" panose="020B0609030804020204" pitchFamily="49" charset="0"/>
+            </a:endParaRPr>
+          </a:p>
+          <a:p>
+            <a:pPr>
+              <a:lnSpc>
+                <a:spcPct val="150000"/>
+              </a:lnSpc>
+              <a:buNone/>
+            </a:pPr>
+            <a:r>
+              <a:rPr lang="en-US" sz="1600" b="0" dirty="0">
+                <a:solidFill>
+                  <a:srgbClr val="D8DEE9"/>
+                </a:solidFill>
+                <a:effectLst/>
+                <a:latin typeface="Menlo" panose="020B0609030804020204" pitchFamily="49" charset="0"/>
+              </a:rPr>
+              <a:t>	GET /</a:t>
+            </a:r>
+            <a:r>
+              <a:rPr lang="en-US" sz="1600" b="0" dirty="0" err="1">
+                <a:solidFill>
+                  <a:srgbClr val="D8DEE9"/>
+                </a:solidFill>
+                <a:effectLst/>
+                <a:latin typeface="Menlo" panose="020B0609030804020204" pitchFamily="49" charset="0"/>
+              </a:rPr>
+              <a:t>api</a:t>
+            </a:r>
+            <a:r>
+              <a:rPr lang="en-US" sz="1600" b="0" dirty="0">
+                <a:solidFill>
+                  <a:srgbClr val="D8DEE9"/>
+                </a:solidFill>
+                <a:effectLst/>
+                <a:latin typeface="Menlo" panose="020B0609030804020204" pitchFamily="49" charset="0"/>
+              </a:rPr>
+              <a:t>/stock/&lt;ticker&gt;?date=YYYY-MM-DD</a:t>
+            </a:r>
+          </a:p>
+          <a:p>
+            <a:pPr>
+              <a:lnSpc>
+                <a:spcPct val="150000"/>
+              </a:lnSpc>
+              <a:buNone/>
+            </a:pPr>
+            <a:r>
+              <a:rPr lang="en-US" sz="1600" b="0" dirty="0">
+                <a:solidFill>
+                  <a:srgbClr val="D8DEE9"/>
+                </a:solidFill>
+                <a:effectLst/>
+                <a:latin typeface="Menlo" panose="020B0609030804020204" pitchFamily="49" charset="0"/>
+              </a:rPr>
+              <a:t>	Get stock data for a specific ticker on a particular date.</a:t>
+            </a:r>
+            <a:br>
+              <a:rPr lang="en-US" sz="1600" b="0" dirty="0">
+                <a:solidFill>
+                  <a:srgbClr val="D8DEE9"/>
+                </a:solidFill>
+                <a:effectLst/>
+                <a:latin typeface="Menlo" panose="020B0609030804020204" pitchFamily="49" charset="0"/>
+              </a:rPr>
+            </a:br>
+            <a:endParaRPr lang="en-US" sz="1600" b="0" dirty="0">
+              <a:solidFill>
+                <a:srgbClr val="D8DEE9"/>
+              </a:solidFill>
+              <a:effectLst/>
+              <a:latin typeface="Menlo" panose="020B0609030804020204" pitchFamily="49" charset="0"/>
+            </a:endParaRPr>
+          </a:p>
+        </p:txBody>
+      </p:sp>
+    </p:spTree>
+    <p:extLst>
+      <p:ext uri="{BB962C8B-B14F-4D97-AF65-F5344CB8AC3E}">
+        <p14:creationId xmlns:p14="http://schemas.microsoft.com/office/powerpoint/2010/main" val="1689236049"/>
+      </p:ext>
+    </p:extLst>
+  </p:cSld>
+  <p:clrMapOvr>
+    <a:masterClrMapping/>
+  </p:clrMapOvr>
+</p:sld>
+</file>
+
+<file path=ppt/slides/slide11.xml><?xml version="1.0" encoding="utf-8"?>
+<p:sld xmlns:a="http://schemas.openxmlformats.org/drawingml/2006/main" xmlns:r="http://schemas.openxmlformats.org/officeDocument/2006/relationships" xmlns:p="http://schemas.openxmlformats.org/presentationml/2006/main">
+  <p:cSld>
+    <p:spTree>
+      <p:nvGrpSpPr>
+        <p:cNvPr id="1" name=""/>
+        <p:cNvGrpSpPr/>
+        <p:nvPr/>
+      </p:nvGrpSpPr>
+      <p:grpSpPr>
+        <a:xfrm>
+          <a:off x="0" y="0"/>
+          <a:ext cx="0" cy="0"/>
+          <a:chOff x="0" y="0"/>
+          <a:chExt cx="0" cy="0"/>
+        </a:xfrm>
+      </p:grpSpPr>
+      <p:sp>
+        <p:nvSpPr>
           <p:cNvPr id="2" name="Title 1">
             <a:extLst>
               <a:ext uri="{FF2B5EF4-FFF2-40B4-BE49-F238E27FC236}">
@@ -6380,7 +6754,7 @@
 </p:sld>
 </file>
 
-<file path=ppt/slides/slide11.xml><?xml version="1.0" encoding="utf-8"?>
+<file path=ppt/slides/slide12.xml><?xml version="1.0" encoding="utf-8"?>
 <p:sld xmlns:a="http://schemas.openxmlformats.org/drawingml/2006/main" xmlns:r="http://schemas.openxmlformats.org/officeDocument/2006/relationships" xmlns:p="http://schemas.openxmlformats.org/presentationml/2006/main">
   <p:cSld>
     <p:spTree>
@@ -8682,7 +9056,7 @@
 </p:sld>
 </file>
 
-<file path=ppt/slides/slide12.xml><?xml version="1.0" encoding="utf-8"?>
+<file path=ppt/slides/slide13.xml><?xml version="1.0" encoding="utf-8"?>
 <p:sld xmlns:a="http://schemas.openxmlformats.org/drawingml/2006/main" xmlns:r="http://schemas.openxmlformats.org/officeDocument/2006/relationships" xmlns:p="http://schemas.openxmlformats.org/presentationml/2006/main">
   <p:cSld>
     <p:spTree>
@@ -9708,7 +10082,7 @@
 </p:sld>
 </file>
 
-<file path=ppt/slides/slide13.xml><?xml version="1.0" encoding="utf-8"?>
+<file path=ppt/slides/slide14.xml><?xml version="1.0" encoding="utf-8"?>
 <p:sld xmlns:a="http://schemas.openxmlformats.org/drawingml/2006/main" xmlns:r="http://schemas.openxmlformats.org/officeDocument/2006/relationships" xmlns:p="http://schemas.openxmlformats.org/presentationml/2006/main">
   <p:cSld>
     <p:spTree>
@@ -12241,7 +12615,7 @@
 </p:sld>
 </file>
 
-<file path=ppt/slides/slide14.xml><?xml version="1.0" encoding="utf-8"?>
+<file path=ppt/slides/slide15.xml><?xml version="1.0" encoding="utf-8"?>
 <p:sld xmlns:a="http://schemas.openxmlformats.org/drawingml/2006/main" xmlns:r="http://schemas.openxmlformats.org/officeDocument/2006/relationships" xmlns:p="http://schemas.openxmlformats.org/presentationml/2006/main">
   <p:cSld>
     <p:spTree>
@@ -13231,7 +13605,7 @@
 </p:sld>
 </file>
 
-<file path=ppt/slides/slide15.xml><?xml version="1.0" encoding="utf-8"?>
+<file path=ppt/slides/slide16.xml><?xml version="1.0" encoding="utf-8"?>
 <p:sld xmlns:a="http://schemas.openxmlformats.org/drawingml/2006/main" xmlns:r="http://schemas.openxmlformats.org/officeDocument/2006/relationships" xmlns:p="http://schemas.openxmlformats.org/presentationml/2006/main">
   <p:cSld>
     <p:spTree>
@@ -13319,7 +13693,7 @@
 </p:sld>
 </file>
 
-<file path=ppt/slides/slide16.xml><?xml version="1.0" encoding="utf-8"?>
+<file path=ppt/slides/slide17.xml><?xml version="1.0" encoding="utf-8"?>
 <p:sld xmlns:a="http://schemas.openxmlformats.org/drawingml/2006/main" xmlns:r="http://schemas.openxmlformats.org/officeDocument/2006/relationships" xmlns:p="http://schemas.openxmlformats.org/presentationml/2006/main">
   <p:cSld>
     <p:spTree>
@@ -13465,7 +13839,7 @@
 </p:sld>
 </file>
 
-<file path=ppt/slides/slide17.xml><?xml version="1.0" encoding="utf-8"?>
+<file path=ppt/slides/slide18.xml><?xml version="1.0" encoding="utf-8"?>
 <p:sld xmlns:a="http://schemas.openxmlformats.org/drawingml/2006/main" xmlns:r="http://schemas.openxmlformats.org/officeDocument/2006/relationships" xmlns:p="http://schemas.openxmlformats.org/presentationml/2006/main">
   <p:cSld>
     <p:spTree>
@@ -14989,7 +15363,7 @@
 </p:sld>
 </file>
 
-<file path=ppt/slides/slide18.xml><?xml version="1.0" encoding="utf-8"?>
+<file path=ppt/slides/slide19.xml><?xml version="1.0" encoding="utf-8"?>
 <p:sld xmlns:a="http://schemas.openxmlformats.org/drawingml/2006/main" xmlns:r="http://schemas.openxmlformats.org/officeDocument/2006/relationships" xmlns:p="http://schemas.openxmlformats.org/presentationml/2006/main">
   <p:cSld>
     <p:spTree>
@@ -17131,1342 +17505,6 @@
     <p:extLst>
       <p:ext uri="{BB962C8B-B14F-4D97-AF65-F5344CB8AC3E}">
         <p14:creationId xmlns:p14="http://schemas.microsoft.com/office/powerpoint/2010/main" val="3986771859"/>
-      </p:ext>
-    </p:extLst>
-  </p:cSld>
-  <p:clrMapOvr>
-    <a:masterClrMapping/>
-  </p:clrMapOvr>
-</p:sld>
-</file>
-
-<file path=ppt/slides/slide19.xml><?xml version="1.0" encoding="utf-8"?>
-<p:sld xmlns:a="http://schemas.openxmlformats.org/drawingml/2006/main" xmlns:r="http://schemas.openxmlformats.org/officeDocument/2006/relationships" xmlns:p="http://schemas.openxmlformats.org/presentationml/2006/main">
-  <p:cSld>
-    <p:spTree>
-      <p:nvGrpSpPr>
-        <p:cNvPr id="1" name=""/>
-        <p:cNvGrpSpPr/>
-        <p:nvPr/>
-      </p:nvGrpSpPr>
-      <p:grpSpPr>
-        <a:xfrm>
-          <a:off x="0" y="0"/>
-          <a:ext cx="0" cy="0"/>
-          <a:chOff x="0" y="0"/>
-          <a:chExt cx="0" cy="0"/>
-        </a:xfrm>
-      </p:grpSpPr>
-      <p:sp>
-        <p:nvSpPr>
-          <p:cNvPr id="2" name="Title 1">
-            <a:extLst>
-              <a:ext uri="{FF2B5EF4-FFF2-40B4-BE49-F238E27FC236}">
-                <a16:creationId xmlns:a16="http://schemas.microsoft.com/office/drawing/2014/main" id="{BD1455C1-BAE8-2DF4-80AF-441BDF98E0E8}"/>
-              </a:ext>
-            </a:extLst>
-          </p:cNvPr>
-          <p:cNvSpPr>
-            <a:spLocks noGrp="1"/>
-          </p:cNvSpPr>
-          <p:nvPr>
-            <p:ph type="title"/>
-          </p:nvPr>
-        </p:nvSpPr>
-        <p:spPr/>
-        <p:txBody>
-          <a:bodyPr/>
-          <a:lstStyle/>
-          <a:p>
-            <a:r>
-              <a:rPr lang="en-US" dirty="0"/>
-              <a:t>Using Web Client</a:t>
-            </a:r>
-          </a:p>
-        </p:txBody>
-      </p:sp>
-      <p:sp>
-        <p:nvSpPr>
-          <p:cNvPr id="4" name="TextBox 3">
-            <a:extLst>
-              <a:ext uri="{FF2B5EF4-FFF2-40B4-BE49-F238E27FC236}">
-                <a16:creationId xmlns:a16="http://schemas.microsoft.com/office/drawing/2014/main" id="{6B52DB2F-4846-FED8-BC04-216164268F03}"/>
-              </a:ext>
-            </a:extLst>
-          </p:cNvPr>
-          <p:cNvSpPr txBox="1"/>
-          <p:nvPr/>
-        </p:nvSpPr>
-        <p:spPr>
-          <a:xfrm>
-            <a:off x="935420" y="1697606"/>
-            <a:ext cx="9932277" cy="4452501"/>
-          </a:xfrm>
-          <a:prstGeom prst="rect">
-            <a:avLst/>
-          </a:prstGeom>
-          <a:noFill/>
-        </p:spPr>
-        <p:txBody>
-          <a:bodyPr wrap="square">
-            <a:spAutoFit/>
-          </a:bodyPr>
-          <a:lstStyle/>
-          <a:p>
-            <a:pPr>
-              <a:lnSpc>
-                <a:spcPts val="1700"/>
-              </a:lnSpc>
-              <a:buNone/>
-            </a:pPr>
-            <a:r>
-              <a:rPr lang="en-US" sz="1600" b="0" dirty="0">
-                <a:solidFill>
-                  <a:srgbClr val="808080"/>
-                </a:solidFill>
-                <a:effectLst/>
-                <a:latin typeface="Consolas" panose="020B0609020204030204" pitchFamily="49" charset="0"/>
-              </a:rPr>
-              <a:t>&lt;!</a:t>
-            </a:r>
-            <a:r>
-              <a:rPr lang="en-US" sz="1600" b="0" dirty="0">
-                <a:solidFill>
-                  <a:srgbClr val="569CD6"/>
-                </a:solidFill>
-                <a:effectLst/>
-                <a:latin typeface="Consolas" panose="020B0609020204030204" pitchFamily="49" charset="0"/>
-              </a:rPr>
-              <a:t>DOCTYPE</a:t>
-            </a:r>
-            <a:r>
-              <a:rPr lang="en-US" sz="1600" b="0" dirty="0">
-                <a:solidFill>
-                  <a:srgbClr val="CCCCCC"/>
-                </a:solidFill>
-                <a:effectLst/>
-                <a:latin typeface="Consolas" panose="020B0609020204030204" pitchFamily="49" charset="0"/>
-              </a:rPr>
-              <a:t> </a:t>
-            </a:r>
-            <a:r>
-              <a:rPr lang="en-US" sz="1600" b="0" dirty="0">
-                <a:solidFill>
-                  <a:srgbClr val="9CDCFE"/>
-                </a:solidFill>
-                <a:effectLst/>
-                <a:latin typeface="Consolas" panose="020B0609020204030204" pitchFamily="49" charset="0"/>
-              </a:rPr>
-              <a:t>html</a:t>
-            </a:r>
-            <a:r>
-              <a:rPr lang="en-US" sz="1600" b="0" dirty="0">
-                <a:solidFill>
-                  <a:srgbClr val="808080"/>
-                </a:solidFill>
-                <a:effectLst/>
-                <a:latin typeface="Consolas" panose="020B0609020204030204" pitchFamily="49" charset="0"/>
-              </a:rPr>
-              <a:t>&gt;</a:t>
-            </a:r>
-            <a:endParaRPr lang="en-US" sz="1600" b="0" dirty="0">
-              <a:solidFill>
-                <a:srgbClr val="CCCCCC"/>
-              </a:solidFill>
-              <a:effectLst/>
-              <a:latin typeface="Consolas" panose="020B0609020204030204" pitchFamily="49" charset="0"/>
-            </a:endParaRPr>
-          </a:p>
-          <a:p>
-            <a:pPr>
-              <a:lnSpc>
-                <a:spcPts val="1700"/>
-              </a:lnSpc>
-              <a:buNone/>
-            </a:pPr>
-            <a:r>
-              <a:rPr lang="en-US" sz="1600" b="0" dirty="0">
-                <a:solidFill>
-                  <a:srgbClr val="808080"/>
-                </a:solidFill>
-                <a:effectLst/>
-                <a:latin typeface="Consolas" panose="020B0609020204030204" pitchFamily="49" charset="0"/>
-              </a:rPr>
-              <a:t>&lt;</a:t>
-            </a:r>
-            <a:r>
-              <a:rPr lang="en-US" sz="1600" b="0" dirty="0">
-                <a:solidFill>
-                  <a:srgbClr val="569CD6"/>
-                </a:solidFill>
-                <a:effectLst/>
-                <a:latin typeface="Consolas" panose="020B0609020204030204" pitchFamily="49" charset="0"/>
-              </a:rPr>
-              <a:t>html</a:t>
-            </a:r>
-            <a:r>
-              <a:rPr lang="en-US" sz="1600" b="0" dirty="0">
-                <a:solidFill>
-                  <a:srgbClr val="CCCCCC"/>
-                </a:solidFill>
-                <a:effectLst/>
-                <a:latin typeface="Consolas" panose="020B0609020204030204" pitchFamily="49" charset="0"/>
-              </a:rPr>
-              <a:t> </a:t>
-            </a:r>
-            <a:r>
-              <a:rPr lang="en-US" sz="1600" b="0" dirty="0">
-                <a:solidFill>
-                  <a:srgbClr val="9CDCFE"/>
-                </a:solidFill>
-                <a:effectLst/>
-                <a:latin typeface="Consolas" panose="020B0609020204030204" pitchFamily="49" charset="0"/>
-              </a:rPr>
-              <a:t>lang</a:t>
-            </a:r>
-            <a:r>
-              <a:rPr lang="en-US" sz="1600" b="0" dirty="0">
-                <a:solidFill>
-                  <a:srgbClr val="CCCCCC"/>
-                </a:solidFill>
-                <a:effectLst/>
-                <a:latin typeface="Consolas" panose="020B0609020204030204" pitchFamily="49" charset="0"/>
-              </a:rPr>
-              <a:t>=</a:t>
-            </a:r>
-            <a:r>
-              <a:rPr lang="en-US" sz="1600" b="0" dirty="0">
-                <a:solidFill>
-                  <a:srgbClr val="CE9178"/>
-                </a:solidFill>
-                <a:effectLst/>
-                <a:latin typeface="Consolas" panose="020B0609020204030204" pitchFamily="49" charset="0"/>
-              </a:rPr>
-              <a:t>"</a:t>
-            </a:r>
-            <a:r>
-              <a:rPr lang="en-US" sz="1600" b="0" dirty="0" err="1">
-                <a:solidFill>
-                  <a:srgbClr val="CE9178"/>
-                </a:solidFill>
-                <a:effectLst/>
-                <a:latin typeface="Consolas" panose="020B0609020204030204" pitchFamily="49" charset="0"/>
-              </a:rPr>
-              <a:t>en</a:t>
-            </a:r>
-            <a:r>
-              <a:rPr lang="en-US" sz="1600" b="0" dirty="0">
-                <a:solidFill>
-                  <a:srgbClr val="CE9178"/>
-                </a:solidFill>
-                <a:effectLst/>
-                <a:latin typeface="Consolas" panose="020B0609020204030204" pitchFamily="49" charset="0"/>
-              </a:rPr>
-              <a:t>"</a:t>
-            </a:r>
-            <a:r>
-              <a:rPr lang="en-US" sz="1600" b="0" dirty="0">
-                <a:solidFill>
-                  <a:srgbClr val="808080"/>
-                </a:solidFill>
-                <a:effectLst/>
-                <a:latin typeface="Consolas" panose="020B0609020204030204" pitchFamily="49" charset="0"/>
-              </a:rPr>
-              <a:t>&gt;</a:t>
-            </a:r>
-            <a:endParaRPr lang="en-US" sz="1600" b="0" dirty="0">
-              <a:solidFill>
-                <a:srgbClr val="CCCCCC"/>
-              </a:solidFill>
-              <a:effectLst/>
-              <a:latin typeface="Consolas" panose="020B0609020204030204" pitchFamily="49" charset="0"/>
-            </a:endParaRPr>
-          </a:p>
-          <a:p>
-            <a:pPr>
-              <a:lnSpc>
-                <a:spcPts val="1700"/>
-              </a:lnSpc>
-              <a:buNone/>
-            </a:pPr>
-            <a:r>
-              <a:rPr lang="en-US" sz="1600" b="0" dirty="0">
-                <a:solidFill>
-                  <a:srgbClr val="808080"/>
-                </a:solidFill>
-                <a:effectLst/>
-                <a:latin typeface="Consolas" panose="020B0609020204030204" pitchFamily="49" charset="0"/>
-              </a:rPr>
-              <a:t>&lt;</a:t>
-            </a:r>
-            <a:r>
-              <a:rPr lang="en-US" sz="1600" b="0" dirty="0">
-                <a:solidFill>
-                  <a:srgbClr val="569CD6"/>
-                </a:solidFill>
-                <a:effectLst/>
-                <a:latin typeface="Consolas" panose="020B0609020204030204" pitchFamily="49" charset="0"/>
-              </a:rPr>
-              <a:t>head</a:t>
-            </a:r>
-            <a:r>
-              <a:rPr lang="en-US" sz="1600" b="0" dirty="0">
-                <a:solidFill>
-                  <a:srgbClr val="808080"/>
-                </a:solidFill>
-                <a:effectLst/>
-                <a:latin typeface="Consolas" panose="020B0609020204030204" pitchFamily="49" charset="0"/>
-              </a:rPr>
-              <a:t>&gt;</a:t>
-            </a:r>
-            <a:endParaRPr lang="en-US" sz="1600" b="0" dirty="0">
-              <a:solidFill>
-                <a:srgbClr val="CCCCCC"/>
-              </a:solidFill>
-              <a:effectLst/>
-              <a:latin typeface="Consolas" panose="020B0609020204030204" pitchFamily="49" charset="0"/>
-            </a:endParaRPr>
-          </a:p>
-          <a:p>
-            <a:pPr>
-              <a:lnSpc>
-                <a:spcPts val="1700"/>
-              </a:lnSpc>
-              <a:buNone/>
-            </a:pPr>
-            <a:r>
-              <a:rPr lang="en-US" sz="1600" b="0" dirty="0">
-                <a:solidFill>
-                  <a:srgbClr val="CCCCCC"/>
-                </a:solidFill>
-                <a:effectLst/>
-                <a:latin typeface="Consolas" panose="020B0609020204030204" pitchFamily="49" charset="0"/>
-              </a:rPr>
-              <a:t>    </a:t>
-            </a:r>
-            <a:r>
-              <a:rPr lang="en-US" sz="1600" b="0" dirty="0">
-                <a:solidFill>
-                  <a:srgbClr val="808080"/>
-                </a:solidFill>
-                <a:effectLst/>
-                <a:latin typeface="Consolas" panose="020B0609020204030204" pitchFamily="49" charset="0"/>
-              </a:rPr>
-              <a:t>&lt;</a:t>
-            </a:r>
-            <a:r>
-              <a:rPr lang="en-US" sz="1600" b="0" dirty="0">
-                <a:solidFill>
-                  <a:srgbClr val="569CD6"/>
-                </a:solidFill>
-                <a:effectLst/>
-                <a:latin typeface="Consolas" panose="020B0609020204030204" pitchFamily="49" charset="0"/>
-              </a:rPr>
-              <a:t>meta</a:t>
-            </a:r>
-            <a:r>
-              <a:rPr lang="en-US" sz="1600" b="0" dirty="0">
-                <a:solidFill>
-                  <a:srgbClr val="CCCCCC"/>
-                </a:solidFill>
-                <a:effectLst/>
-                <a:latin typeface="Consolas" panose="020B0609020204030204" pitchFamily="49" charset="0"/>
-              </a:rPr>
-              <a:t> </a:t>
-            </a:r>
-            <a:r>
-              <a:rPr lang="en-US" sz="1600" b="0" dirty="0">
-                <a:solidFill>
-                  <a:srgbClr val="9CDCFE"/>
-                </a:solidFill>
-                <a:effectLst/>
-                <a:latin typeface="Consolas" panose="020B0609020204030204" pitchFamily="49" charset="0"/>
-              </a:rPr>
-              <a:t>charset</a:t>
-            </a:r>
-            <a:r>
-              <a:rPr lang="en-US" sz="1600" b="0" dirty="0">
-                <a:solidFill>
-                  <a:srgbClr val="CCCCCC"/>
-                </a:solidFill>
-                <a:effectLst/>
-                <a:latin typeface="Consolas" panose="020B0609020204030204" pitchFamily="49" charset="0"/>
-              </a:rPr>
-              <a:t>=</a:t>
-            </a:r>
-            <a:r>
-              <a:rPr lang="en-US" sz="1600" b="0" dirty="0">
-                <a:solidFill>
-                  <a:srgbClr val="CE9178"/>
-                </a:solidFill>
-                <a:effectLst/>
-                <a:latin typeface="Consolas" panose="020B0609020204030204" pitchFamily="49" charset="0"/>
-              </a:rPr>
-              <a:t>"UTF-8"</a:t>
-            </a:r>
-            <a:r>
-              <a:rPr lang="en-US" sz="1600" b="0" dirty="0">
-                <a:solidFill>
-                  <a:srgbClr val="808080"/>
-                </a:solidFill>
-                <a:effectLst/>
-                <a:latin typeface="Consolas" panose="020B0609020204030204" pitchFamily="49" charset="0"/>
-              </a:rPr>
-              <a:t>&gt;</a:t>
-            </a:r>
-            <a:endParaRPr lang="en-US" sz="1600" b="0" dirty="0">
-              <a:solidFill>
-                <a:srgbClr val="CCCCCC"/>
-              </a:solidFill>
-              <a:effectLst/>
-              <a:latin typeface="Consolas" panose="020B0609020204030204" pitchFamily="49" charset="0"/>
-            </a:endParaRPr>
-          </a:p>
-          <a:p>
-            <a:pPr>
-              <a:lnSpc>
-                <a:spcPts val="1700"/>
-              </a:lnSpc>
-              <a:buNone/>
-            </a:pPr>
-            <a:r>
-              <a:rPr lang="en-US" sz="1600" b="0" dirty="0">
-                <a:solidFill>
-                  <a:srgbClr val="CCCCCC"/>
-                </a:solidFill>
-                <a:effectLst/>
-                <a:latin typeface="Consolas" panose="020B0609020204030204" pitchFamily="49" charset="0"/>
-              </a:rPr>
-              <a:t>    </a:t>
-            </a:r>
-            <a:r>
-              <a:rPr lang="en-US" sz="1600" b="0" dirty="0">
-                <a:solidFill>
-                  <a:srgbClr val="808080"/>
-                </a:solidFill>
-                <a:effectLst/>
-                <a:latin typeface="Consolas" panose="020B0609020204030204" pitchFamily="49" charset="0"/>
-              </a:rPr>
-              <a:t>&lt;</a:t>
-            </a:r>
-            <a:r>
-              <a:rPr lang="en-US" sz="1600" b="0" dirty="0">
-                <a:solidFill>
-                  <a:srgbClr val="569CD6"/>
-                </a:solidFill>
-                <a:effectLst/>
-                <a:latin typeface="Consolas" panose="020B0609020204030204" pitchFamily="49" charset="0"/>
-              </a:rPr>
-              <a:t>meta</a:t>
-            </a:r>
-            <a:r>
-              <a:rPr lang="en-US" sz="1600" b="0" dirty="0">
-                <a:solidFill>
-                  <a:srgbClr val="CCCCCC"/>
-                </a:solidFill>
-                <a:effectLst/>
-                <a:latin typeface="Consolas" panose="020B0609020204030204" pitchFamily="49" charset="0"/>
-              </a:rPr>
-              <a:t> </a:t>
-            </a:r>
-            <a:r>
-              <a:rPr lang="en-US" sz="1600" b="0" dirty="0">
-                <a:solidFill>
-                  <a:srgbClr val="9CDCFE"/>
-                </a:solidFill>
-                <a:effectLst/>
-                <a:latin typeface="Consolas" panose="020B0609020204030204" pitchFamily="49" charset="0"/>
-              </a:rPr>
-              <a:t>name</a:t>
-            </a:r>
-            <a:r>
-              <a:rPr lang="en-US" sz="1600" b="0" dirty="0">
-                <a:solidFill>
-                  <a:srgbClr val="CCCCCC"/>
-                </a:solidFill>
-                <a:effectLst/>
-                <a:latin typeface="Consolas" panose="020B0609020204030204" pitchFamily="49" charset="0"/>
-              </a:rPr>
-              <a:t>=</a:t>
-            </a:r>
-            <a:r>
-              <a:rPr lang="en-US" sz="1600" b="0" dirty="0">
-                <a:solidFill>
-                  <a:srgbClr val="CE9178"/>
-                </a:solidFill>
-                <a:effectLst/>
-                <a:latin typeface="Consolas" panose="020B0609020204030204" pitchFamily="49" charset="0"/>
-              </a:rPr>
-              <a:t>"viewport"</a:t>
-            </a:r>
-            <a:r>
-              <a:rPr lang="en-US" sz="1600" b="0" dirty="0">
-                <a:solidFill>
-                  <a:srgbClr val="CCCCCC"/>
-                </a:solidFill>
-                <a:effectLst/>
-                <a:latin typeface="Consolas" panose="020B0609020204030204" pitchFamily="49" charset="0"/>
-              </a:rPr>
-              <a:t> </a:t>
-            </a:r>
-            <a:r>
-              <a:rPr lang="en-US" sz="1600" b="0" dirty="0">
-                <a:solidFill>
-                  <a:srgbClr val="9CDCFE"/>
-                </a:solidFill>
-                <a:effectLst/>
-                <a:latin typeface="Consolas" panose="020B0609020204030204" pitchFamily="49" charset="0"/>
-              </a:rPr>
-              <a:t>content</a:t>
-            </a:r>
-            <a:r>
-              <a:rPr lang="en-US" sz="1600" b="0" dirty="0">
-                <a:solidFill>
-                  <a:srgbClr val="CCCCCC"/>
-                </a:solidFill>
-                <a:effectLst/>
-                <a:latin typeface="Consolas" panose="020B0609020204030204" pitchFamily="49" charset="0"/>
-              </a:rPr>
-              <a:t>=</a:t>
-            </a:r>
-            <a:r>
-              <a:rPr lang="en-US" sz="1600" b="0" dirty="0">
-                <a:solidFill>
-                  <a:srgbClr val="CE9178"/>
-                </a:solidFill>
-                <a:effectLst/>
-                <a:latin typeface="Consolas" panose="020B0609020204030204" pitchFamily="49" charset="0"/>
-              </a:rPr>
-              <a:t>"width=device-width, initial-scale=1.0"</a:t>
-            </a:r>
-            <a:r>
-              <a:rPr lang="en-US" sz="1600" b="0" dirty="0">
-                <a:solidFill>
-                  <a:srgbClr val="808080"/>
-                </a:solidFill>
-                <a:effectLst/>
-                <a:latin typeface="Consolas" panose="020B0609020204030204" pitchFamily="49" charset="0"/>
-              </a:rPr>
-              <a:t>&gt;</a:t>
-            </a:r>
-            <a:endParaRPr lang="en-US" sz="1600" b="0" dirty="0">
-              <a:solidFill>
-                <a:srgbClr val="CCCCCC"/>
-              </a:solidFill>
-              <a:effectLst/>
-              <a:latin typeface="Consolas" panose="020B0609020204030204" pitchFamily="49" charset="0"/>
-            </a:endParaRPr>
-          </a:p>
-          <a:p>
-            <a:pPr>
-              <a:lnSpc>
-                <a:spcPts val="1700"/>
-              </a:lnSpc>
-              <a:buNone/>
-            </a:pPr>
-            <a:r>
-              <a:rPr lang="en-US" sz="1600" b="0" dirty="0">
-                <a:solidFill>
-                  <a:srgbClr val="CCCCCC"/>
-                </a:solidFill>
-                <a:effectLst/>
-                <a:latin typeface="Consolas" panose="020B0609020204030204" pitchFamily="49" charset="0"/>
-              </a:rPr>
-              <a:t>    </a:t>
-            </a:r>
-            <a:r>
-              <a:rPr lang="en-US" sz="1600" b="0" dirty="0">
-                <a:solidFill>
-                  <a:srgbClr val="808080"/>
-                </a:solidFill>
-                <a:effectLst/>
-                <a:latin typeface="Consolas" panose="020B0609020204030204" pitchFamily="49" charset="0"/>
-              </a:rPr>
-              <a:t>&lt;</a:t>
-            </a:r>
-            <a:r>
-              <a:rPr lang="en-US" sz="1600" b="0" dirty="0">
-                <a:solidFill>
-                  <a:srgbClr val="569CD6"/>
-                </a:solidFill>
-                <a:effectLst/>
-                <a:latin typeface="Consolas" panose="020B0609020204030204" pitchFamily="49" charset="0"/>
-              </a:rPr>
-              <a:t>title</a:t>
-            </a:r>
-            <a:r>
-              <a:rPr lang="en-US" sz="1600" b="0" dirty="0">
-                <a:solidFill>
-                  <a:srgbClr val="808080"/>
-                </a:solidFill>
-                <a:effectLst/>
-                <a:latin typeface="Consolas" panose="020B0609020204030204" pitchFamily="49" charset="0"/>
-              </a:rPr>
-              <a:t>&gt;</a:t>
-            </a:r>
-            <a:r>
-              <a:rPr lang="en-US" sz="1600" b="0" dirty="0">
-                <a:solidFill>
-                  <a:srgbClr val="CCCCCC"/>
-                </a:solidFill>
-                <a:effectLst/>
-                <a:latin typeface="Consolas" panose="020B0609020204030204" pitchFamily="49" charset="0"/>
-              </a:rPr>
-              <a:t>Stock Data Viewer</a:t>
-            </a:r>
-            <a:r>
-              <a:rPr lang="en-US" sz="1600" b="0" dirty="0">
-                <a:solidFill>
-                  <a:srgbClr val="808080"/>
-                </a:solidFill>
-                <a:effectLst/>
-                <a:latin typeface="Consolas" panose="020B0609020204030204" pitchFamily="49" charset="0"/>
-              </a:rPr>
-              <a:t>&lt;/</a:t>
-            </a:r>
-            <a:r>
-              <a:rPr lang="en-US" sz="1600" b="0" dirty="0">
-                <a:solidFill>
-                  <a:srgbClr val="569CD6"/>
-                </a:solidFill>
-                <a:effectLst/>
-                <a:latin typeface="Consolas" panose="020B0609020204030204" pitchFamily="49" charset="0"/>
-              </a:rPr>
-              <a:t>title</a:t>
-            </a:r>
-            <a:r>
-              <a:rPr lang="en-US" sz="1600" b="0" dirty="0">
-                <a:solidFill>
-                  <a:srgbClr val="808080"/>
-                </a:solidFill>
-                <a:effectLst/>
-                <a:latin typeface="Consolas" panose="020B0609020204030204" pitchFamily="49" charset="0"/>
-              </a:rPr>
-              <a:t>&gt;</a:t>
-            </a:r>
-            <a:endParaRPr lang="en-US" sz="1600" b="0" dirty="0">
-              <a:solidFill>
-                <a:srgbClr val="CCCCCC"/>
-              </a:solidFill>
-              <a:effectLst/>
-              <a:latin typeface="Consolas" panose="020B0609020204030204" pitchFamily="49" charset="0"/>
-            </a:endParaRPr>
-          </a:p>
-          <a:p>
-            <a:pPr>
-              <a:lnSpc>
-                <a:spcPts val="1700"/>
-              </a:lnSpc>
-              <a:buNone/>
-            </a:pPr>
-            <a:r>
-              <a:rPr lang="en-US" sz="1600" b="0" dirty="0">
-                <a:solidFill>
-                  <a:srgbClr val="CCCCCC"/>
-                </a:solidFill>
-                <a:effectLst/>
-                <a:latin typeface="Consolas" panose="020B0609020204030204" pitchFamily="49" charset="0"/>
-              </a:rPr>
-              <a:t>    </a:t>
-            </a:r>
-            <a:r>
-              <a:rPr lang="en-US" sz="1600" b="0" dirty="0">
-                <a:solidFill>
-                  <a:srgbClr val="808080"/>
-                </a:solidFill>
-                <a:effectLst/>
-                <a:latin typeface="Consolas" panose="020B0609020204030204" pitchFamily="49" charset="0"/>
-              </a:rPr>
-              <a:t>&lt;</a:t>
-            </a:r>
-            <a:r>
-              <a:rPr lang="en-US" sz="1600" b="0" dirty="0">
-                <a:solidFill>
-                  <a:srgbClr val="569CD6"/>
-                </a:solidFill>
-                <a:effectLst/>
-                <a:latin typeface="Consolas" panose="020B0609020204030204" pitchFamily="49" charset="0"/>
-              </a:rPr>
-              <a:t>style</a:t>
-            </a:r>
-            <a:r>
-              <a:rPr lang="en-US" sz="1600" b="0" dirty="0">
-                <a:solidFill>
-                  <a:srgbClr val="808080"/>
-                </a:solidFill>
-                <a:effectLst/>
-                <a:latin typeface="Consolas" panose="020B0609020204030204" pitchFamily="49" charset="0"/>
-              </a:rPr>
-              <a:t>&gt;</a:t>
-            </a:r>
-            <a:endParaRPr lang="en-US" sz="1600" b="0" dirty="0">
-              <a:solidFill>
-                <a:srgbClr val="CCCCCC"/>
-              </a:solidFill>
-              <a:effectLst/>
-              <a:latin typeface="Consolas" panose="020B0609020204030204" pitchFamily="49" charset="0"/>
-            </a:endParaRPr>
-          </a:p>
-          <a:p>
-            <a:pPr>
-              <a:lnSpc>
-                <a:spcPts val="1700"/>
-              </a:lnSpc>
-              <a:buNone/>
-            </a:pPr>
-            <a:r>
-              <a:rPr lang="en-US" sz="1600" b="0" dirty="0">
-                <a:solidFill>
-                  <a:srgbClr val="D4D4D4"/>
-                </a:solidFill>
-                <a:effectLst/>
-                <a:latin typeface="Consolas" panose="020B0609020204030204" pitchFamily="49" charset="0"/>
-              </a:rPr>
-              <a:t>        </a:t>
-            </a:r>
-            <a:r>
-              <a:rPr lang="en-US" sz="1600" b="0" dirty="0">
-                <a:solidFill>
-                  <a:srgbClr val="D7BA7D"/>
-                </a:solidFill>
-                <a:effectLst/>
-                <a:latin typeface="Consolas" panose="020B0609020204030204" pitchFamily="49" charset="0"/>
-              </a:rPr>
-              <a:t>body</a:t>
-            </a:r>
-            <a:r>
-              <a:rPr lang="en-US" sz="1600" b="0" dirty="0">
-                <a:solidFill>
-                  <a:srgbClr val="D4D4D4"/>
-                </a:solidFill>
-                <a:effectLst/>
-                <a:latin typeface="Consolas" panose="020B0609020204030204" pitchFamily="49" charset="0"/>
-              </a:rPr>
-              <a:t> {</a:t>
-            </a:r>
-            <a:endParaRPr lang="en-US" sz="1600" b="0" dirty="0">
-              <a:solidFill>
-                <a:srgbClr val="CCCCCC"/>
-              </a:solidFill>
-              <a:effectLst/>
-              <a:latin typeface="Consolas" panose="020B0609020204030204" pitchFamily="49" charset="0"/>
-            </a:endParaRPr>
-          </a:p>
-          <a:p>
-            <a:pPr>
-              <a:lnSpc>
-                <a:spcPts val="1700"/>
-              </a:lnSpc>
-              <a:buNone/>
-            </a:pPr>
-            <a:r>
-              <a:rPr lang="en-US" sz="1600" b="0" dirty="0">
-                <a:solidFill>
-                  <a:srgbClr val="D4D4D4"/>
-                </a:solidFill>
-                <a:effectLst/>
-                <a:latin typeface="Consolas" panose="020B0609020204030204" pitchFamily="49" charset="0"/>
-              </a:rPr>
-              <a:t>            </a:t>
-            </a:r>
-            <a:r>
-              <a:rPr lang="en-US" sz="1600" b="0" dirty="0">
-                <a:solidFill>
-                  <a:srgbClr val="9CDCFE"/>
-                </a:solidFill>
-                <a:effectLst/>
-                <a:latin typeface="Consolas" panose="020B0609020204030204" pitchFamily="49" charset="0"/>
-              </a:rPr>
-              <a:t>font-family</a:t>
-            </a:r>
-            <a:r>
-              <a:rPr lang="en-US" sz="1600" b="0" dirty="0">
-                <a:solidFill>
-                  <a:srgbClr val="D4D4D4"/>
-                </a:solidFill>
-                <a:effectLst/>
-                <a:latin typeface="Consolas" panose="020B0609020204030204" pitchFamily="49" charset="0"/>
-              </a:rPr>
-              <a:t>: </a:t>
-            </a:r>
-            <a:r>
-              <a:rPr lang="en-US" sz="1600" b="0" dirty="0">
-                <a:solidFill>
-                  <a:srgbClr val="CE9178"/>
-                </a:solidFill>
-                <a:effectLst/>
-                <a:latin typeface="Consolas" panose="020B0609020204030204" pitchFamily="49" charset="0"/>
-              </a:rPr>
-              <a:t>Arial</a:t>
-            </a:r>
-            <a:r>
-              <a:rPr lang="en-US" sz="1600" b="0" dirty="0">
-                <a:solidFill>
-                  <a:srgbClr val="D4D4D4"/>
-                </a:solidFill>
-                <a:effectLst/>
-                <a:latin typeface="Consolas" panose="020B0609020204030204" pitchFamily="49" charset="0"/>
-              </a:rPr>
-              <a:t>, </a:t>
-            </a:r>
-            <a:r>
-              <a:rPr lang="en-US" sz="1600" b="0" dirty="0">
-                <a:solidFill>
-                  <a:srgbClr val="CE9178"/>
-                </a:solidFill>
-                <a:effectLst/>
-                <a:latin typeface="Consolas" panose="020B0609020204030204" pitchFamily="49" charset="0"/>
-              </a:rPr>
-              <a:t>sans-serif</a:t>
-            </a:r>
-            <a:r>
-              <a:rPr lang="en-US" sz="1600" b="0" dirty="0">
-                <a:solidFill>
-                  <a:srgbClr val="D4D4D4"/>
-                </a:solidFill>
-                <a:effectLst/>
-                <a:latin typeface="Consolas" panose="020B0609020204030204" pitchFamily="49" charset="0"/>
-              </a:rPr>
-              <a:t>;</a:t>
-            </a:r>
-            <a:endParaRPr lang="en-US" sz="1600" b="0" dirty="0">
-              <a:solidFill>
-                <a:srgbClr val="CCCCCC"/>
-              </a:solidFill>
-              <a:effectLst/>
-              <a:latin typeface="Consolas" panose="020B0609020204030204" pitchFamily="49" charset="0"/>
-            </a:endParaRPr>
-          </a:p>
-          <a:p>
-            <a:pPr>
-              <a:lnSpc>
-                <a:spcPts val="1700"/>
-              </a:lnSpc>
-              <a:buNone/>
-            </a:pPr>
-            <a:r>
-              <a:rPr lang="en-US" sz="1600" b="0" dirty="0">
-                <a:solidFill>
-                  <a:srgbClr val="D4D4D4"/>
-                </a:solidFill>
-                <a:effectLst/>
-                <a:latin typeface="Consolas" panose="020B0609020204030204" pitchFamily="49" charset="0"/>
-              </a:rPr>
-              <a:t>            </a:t>
-            </a:r>
-            <a:r>
-              <a:rPr lang="en-US" sz="1600" b="0" dirty="0">
-                <a:solidFill>
-                  <a:srgbClr val="9CDCFE"/>
-                </a:solidFill>
-                <a:effectLst/>
-                <a:latin typeface="Consolas" panose="020B0609020204030204" pitchFamily="49" charset="0"/>
-              </a:rPr>
-              <a:t>margin</a:t>
-            </a:r>
-            <a:r>
-              <a:rPr lang="en-US" sz="1600" b="0" dirty="0">
-                <a:solidFill>
-                  <a:srgbClr val="D4D4D4"/>
-                </a:solidFill>
-                <a:effectLst/>
-                <a:latin typeface="Consolas" panose="020B0609020204030204" pitchFamily="49" charset="0"/>
-              </a:rPr>
-              <a:t>: </a:t>
-            </a:r>
-            <a:r>
-              <a:rPr lang="en-US" sz="1600" b="0" dirty="0">
-                <a:solidFill>
-                  <a:srgbClr val="B5CEA8"/>
-                </a:solidFill>
-                <a:effectLst/>
-                <a:latin typeface="Consolas" panose="020B0609020204030204" pitchFamily="49" charset="0"/>
-              </a:rPr>
-              <a:t>20px</a:t>
-            </a:r>
-            <a:r>
-              <a:rPr lang="en-US" sz="1600" b="0" dirty="0">
-                <a:solidFill>
-                  <a:srgbClr val="D4D4D4"/>
-                </a:solidFill>
-                <a:effectLst/>
-                <a:latin typeface="Consolas" panose="020B0609020204030204" pitchFamily="49" charset="0"/>
-              </a:rPr>
-              <a:t>;</a:t>
-            </a:r>
-            <a:endParaRPr lang="en-US" sz="1600" b="0" dirty="0">
-              <a:solidFill>
-                <a:srgbClr val="CCCCCC"/>
-              </a:solidFill>
-              <a:effectLst/>
-              <a:latin typeface="Consolas" panose="020B0609020204030204" pitchFamily="49" charset="0"/>
-            </a:endParaRPr>
-          </a:p>
-          <a:p>
-            <a:pPr>
-              <a:lnSpc>
-                <a:spcPts val="1700"/>
-              </a:lnSpc>
-              <a:buNone/>
-            </a:pPr>
-            <a:r>
-              <a:rPr lang="en-US" sz="1600" b="0" dirty="0">
-                <a:solidFill>
-                  <a:srgbClr val="D4D4D4"/>
-                </a:solidFill>
-                <a:effectLst/>
-                <a:latin typeface="Consolas" panose="020B0609020204030204" pitchFamily="49" charset="0"/>
-              </a:rPr>
-              <a:t>        }</a:t>
-            </a:r>
-            <a:endParaRPr lang="en-US" sz="1600" b="0" dirty="0">
-              <a:solidFill>
-                <a:srgbClr val="CCCCCC"/>
-              </a:solidFill>
-              <a:effectLst/>
-              <a:latin typeface="Consolas" panose="020B0609020204030204" pitchFamily="49" charset="0"/>
-            </a:endParaRPr>
-          </a:p>
-          <a:p>
-            <a:pPr>
-              <a:lnSpc>
-                <a:spcPts val="1700"/>
-              </a:lnSpc>
-              <a:buNone/>
-            </a:pPr>
-            <a:r>
-              <a:rPr lang="en-US" sz="1600" b="0" dirty="0">
-                <a:solidFill>
-                  <a:srgbClr val="D4D4D4"/>
-                </a:solidFill>
-                <a:effectLst/>
-                <a:latin typeface="Consolas" panose="020B0609020204030204" pitchFamily="49" charset="0"/>
-              </a:rPr>
-              <a:t>        </a:t>
-            </a:r>
-            <a:r>
-              <a:rPr lang="en-US" sz="1600" b="0" dirty="0">
-                <a:solidFill>
-                  <a:srgbClr val="D7BA7D"/>
-                </a:solidFill>
-                <a:effectLst/>
-                <a:latin typeface="Consolas" panose="020B0609020204030204" pitchFamily="49" charset="0"/>
-              </a:rPr>
-              <a:t>.container</a:t>
-            </a:r>
-            <a:r>
-              <a:rPr lang="en-US" sz="1600" b="0" dirty="0">
-                <a:solidFill>
-                  <a:srgbClr val="D4D4D4"/>
-                </a:solidFill>
-                <a:effectLst/>
-                <a:latin typeface="Consolas" panose="020B0609020204030204" pitchFamily="49" charset="0"/>
-              </a:rPr>
-              <a:t> {</a:t>
-            </a:r>
-            <a:endParaRPr lang="en-US" sz="1600" b="0" dirty="0">
-              <a:solidFill>
-                <a:srgbClr val="CCCCCC"/>
-              </a:solidFill>
-              <a:effectLst/>
-              <a:latin typeface="Consolas" panose="020B0609020204030204" pitchFamily="49" charset="0"/>
-            </a:endParaRPr>
-          </a:p>
-          <a:p>
-            <a:pPr>
-              <a:lnSpc>
-                <a:spcPts val="1700"/>
-              </a:lnSpc>
-              <a:buNone/>
-            </a:pPr>
-            <a:r>
-              <a:rPr lang="en-US" sz="1600" b="0" dirty="0">
-                <a:solidFill>
-                  <a:srgbClr val="D4D4D4"/>
-                </a:solidFill>
-                <a:effectLst/>
-                <a:latin typeface="Consolas" panose="020B0609020204030204" pitchFamily="49" charset="0"/>
-              </a:rPr>
-              <a:t>            </a:t>
-            </a:r>
-            <a:r>
-              <a:rPr lang="en-US" sz="1600" b="0" dirty="0">
-                <a:solidFill>
-                  <a:srgbClr val="9CDCFE"/>
-                </a:solidFill>
-                <a:effectLst/>
-                <a:latin typeface="Consolas" panose="020B0609020204030204" pitchFamily="49" charset="0"/>
-              </a:rPr>
-              <a:t>max-width</a:t>
-            </a:r>
-            <a:r>
-              <a:rPr lang="en-US" sz="1600" b="0" dirty="0">
-                <a:solidFill>
-                  <a:srgbClr val="D4D4D4"/>
-                </a:solidFill>
-                <a:effectLst/>
-                <a:latin typeface="Consolas" panose="020B0609020204030204" pitchFamily="49" charset="0"/>
-              </a:rPr>
-              <a:t>: </a:t>
-            </a:r>
-            <a:r>
-              <a:rPr lang="en-US" sz="1600" b="0" dirty="0">
-                <a:solidFill>
-                  <a:srgbClr val="B5CEA8"/>
-                </a:solidFill>
-                <a:effectLst/>
-                <a:latin typeface="Consolas" panose="020B0609020204030204" pitchFamily="49" charset="0"/>
-              </a:rPr>
-              <a:t>600px</a:t>
-            </a:r>
-            <a:r>
-              <a:rPr lang="en-US" sz="1600" b="0" dirty="0">
-                <a:solidFill>
-                  <a:srgbClr val="D4D4D4"/>
-                </a:solidFill>
-                <a:effectLst/>
-                <a:latin typeface="Consolas" panose="020B0609020204030204" pitchFamily="49" charset="0"/>
-              </a:rPr>
-              <a:t>;</a:t>
-            </a:r>
-            <a:endParaRPr lang="en-US" sz="1600" b="0" dirty="0">
-              <a:solidFill>
-                <a:srgbClr val="CCCCCC"/>
-              </a:solidFill>
-              <a:effectLst/>
-              <a:latin typeface="Consolas" panose="020B0609020204030204" pitchFamily="49" charset="0"/>
-            </a:endParaRPr>
-          </a:p>
-          <a:p>
-            <a:pPr>
-              <a:lnSpc>
-                <a:spcPts val="1700"/>
-              </a:lnSpc>
-              <a:buNone/>
-            </a:pPr>
-            <a:r>
-              <a:rPr lang="en-US" sz="1600" b="0" dirty="0">
-                <a:solidFill>
-                  <a:srgbClr val="D4D4D4"/>
-                </a:solidFill>
-                <a:effectLst/>
-                <a:latin typeface="Consolas" panose="020B0609020204030204" pitchFamily="49" charset="0"/>
-              </a:rPr>
-              <a:t>            </a:t>
-            </a:r>
-            <a:r>
-              <a:rPr lang="en-US" sz="1600" b="0" dirty="0">
-                <a:solidFill>
-                  <a:srgbClr val="9CDCFE"/>
-                </a:solidFill>
-                <a:effectLst/>
-                <a:latin typeface="Consolas" panose="020B0609020204030204" pitchFamily="49" charset="0"/>
-              </a:rPr>
-              <a:t>margin</a:t>
-            </a:r>
-            <a:r>
-              <a:rPr lang="en-US" sz="1600" b="0" dirty="0">
-                <a:solidFill>
-                  <a:srgbClr val="D4D4D4"/>
-                </a:solidFill>
-                <a:effectLst/>
-                <a:latin typeface="Consolas" panose="020B0609020204030204" pitchFamily="49" charset="0"/>
-              </a:rPr>
-              <a:t>: </a:t>
-            </a:r>
-            <a:r>
-              <a:rPr lang="en-US" sz="1600" b="0" dirty="0">
-                <a:solidFill>
-                  <a:srgbClr val="CE9178"/>
-                </a:solidFill>
-                <a:effectLst/>
-                <a:latin typeface="Consolas" panose="020B0609020204030204" pitchFamily="49" charset="0"/>
-              </a:rPr>
-              <a:t>auto</a:t>
-            </a:r>
-            <a:r>
-              <a:rPr lang="en-US" sz="1600" b="0" dirty="0">
-                <a:solidFill>
-                  <a:srgbClr val="D4D4D4"/>
-                </a:solidFill>
-                <a:effectLst/>
-                <a:latin typeface="Consolas" panose="020B0609020204030204" pitchFamily="49" charset="0"/>
-              </a:rPr>
-              <a:t>;</a:t>
-            </a:r>
-            <a:endParaRPr lang="en-US" sz="1600" b="0" dirty="0">
-              <a:solidFill>
-                <a:srgbClr val="CCCCCC"/>
-              </a:solidFill>
-              <a:effectLst/>
-              <a:latin typeface="Consolas" panose="020B0609020204030204" pitchFamily="49" charset="0"/>
-            </a:endParaRPr>
-          </a:p>
-          <a:p>
-            <a:pPr>
-              <a:lnSpc>
-                <a:spcPts val="1700"/>
-              </a:lnSpc>
-              <a:buNone/>
-            </a:pPr>
-            <a:r>
-              <a:rPr lang="en-US" sz="1600" b="0" dirty="0">
-                <a:solidFill>
-                  <a:srgbClr val="D4D4D4"/>
-                </a:solidFill>
-                <a:effectLst/>
-                <a:latin typeface="Consolas" panose="020B0609020204030204" pitchFamily="49" charset="0"/>
-              </a:rPr>
-              <a:t>        }</a:t>
-            </a:r>
-            <a:endParaRPr lang="en-US" sz="1600" b="0" dirty="0">
-              <a:solidFill>
-                <a:srgbClr val="CCCCCC"/>
-              </a:solidFill>
-              <a:effectLst/>
-              <a:latin typeface="Consolas" panose="020B0609020204030204" pitchFamily="49" charset="0"/>
-            </a:endParaRPr>
-          </a:p>
-          <a:p>
-            <a:pPr>
-              <a:lnSpc>
-                <a:spcPts val="1700"/>
-              </a:lnSpc>
-              <a:buNone/>
-            </a:pPr>
-            <a:r>
-              <a:rPr lang="en-US" sz="1600" b="0" dirty="0">
-                <a:solidFill>
-                  <a:srgbClr val="D4D4D4"/>
-                </a:solidFill>
-                <a:effectLst/>
-                <a:latin typeface="Consolas" panose="020B0609020204030204" pitchFamily="49" charset="0"/>
-              </a:rPr>
-              <a:t>        </a:t>
-            </a:r>
-            <a:r>
-              <a:rPr lang="en-US" sz="1600" b="0" dirty="0">
-                <a:solidFill>
-                  <a:srgbClr val="D7BA7D"/>
-                </a:solidFill>
-                <a:effectLst/>
-                <a:latin typeface="Consolas" panose="020B0609020204030204" pitchFamily="49" charset="0"/>
-              </a:rPr>
-              <a:t>.error</a:t>
-            </a:r>
-            <a:r>
-              <a:rPr lang="en-US" sz="1600" b="0" dirty="0">
-                <a:solidFill>
-                  <a:srgbClr val="D4D4D4"/>
-                </a:solidFill>
-                <a:effectLst/>
-                <a:latin typeface="Consolas" panose="020B0609020204030204" pitchFamily="49" charset="0"/>
-              </a:rPr>
-              <a:t> {</a:t>
-            </a:r>
-            <a:endParaRPr lang="en-US" sz="1600" b="0" dirty="0">
-              <a:solidFill>
-                <a:srgbClr val="CCCCCC"/>
-              </a:solidFill>
-              <a:effectLst/>
-              <a:latin typeface="Consolas" panose="020B0609020204030204" pitchFamily="49" charset="0"/>
-            </a:endParaRPr>
-          </a:p>
-          <a:p>
-            <a:pPr>
-              <a:lnSpc>
-                <a:spcPts val="1700"/>
-              </a:lnSpc>
-              <a:buNone/>
-            </a:pPr>
-            <a:r>
-              <a:rPr lang="en-US" sz="1600" b="0" dirty="0">
-                <a:solidFill>
-                  <a:srgbClr val="D4D4D4"/>
-                </a:solidFill>
-                <a:effectLst/>
-                <a:latin typeface="Consolas" panose="020B0609020204030204" pitchFamily="49" charset="0"/>
-              </a:rPr>
-              <a:t>            </a:t>
-            </a:r>
-            <a:r>
-              <a:rPr lang="en-US" sz="1600" b="0" dirty="0">
-                <a:solidFill>
-                  <a:srgbClr val="9CDCFE"/>
-                </a:solidFill>
-                <a:effectLst/>
-                <a:latin typeface="Consolas" panose="020B0609020204030204" pitchFamily="49" charset="0"/>
-              </a:rPr>
-              <a:t>color</a:t>
-            </a:r>
-            <a:r>
-              <a:rPr lang="en-US" sz="1600" b="0" dirty="0">
-                <a:solidFill>
-                  <a:srgbClr val="D4D4D4"/>
-                </a:solidFill>
-                <a:effectLst/>
-                <a:latin typeface="Consolas" panose="020B0609020204030204" pitchFamily="49" charset="0"/>
-              </a:rPr>
-              <a:t>: </a:t>
-            </a:r>
-            <a:r>
-              <a:rPr lang="en-US" sz="1600" b="0" dirty="0">
-                <a:solidFill>
-                  <a:srgbClr val="CE9178"/>
-                </a:solidFill>
-                <a:effectLst/>
-                <a:latin typeface="Consolas" panose="020B0609020204030204" pitchFamily="49" charset="0"/>
-              </a:rPr>
-              <a:t>red</a:t>
-            </a:r>
-            <a:r>
-              <a:rPr lang="en-US" sz="1600" b="0" dirty="0">
-                <a:solidFill>
-                  <a:srgbClr val="D4D4D4"/>
-                </a:solidFill>
-                <a:effectLst/>
-                <a:latin typeface="Consolas" panose="020B0609020204030204" pitchFamily="49" charset="0"/>
-              </a:rPr>
-              <a:t>;</a:t>
-            </a:r>
-            <a:endParaRPr lang="en-US" sz="1600" b="0" dirty="0">
-              <a:solidFill>
-                <a:srgbClr val="CCCCCC"/>
-              </a:solidFill>
-              <a:effectLst/>
-              <a:latin typeface="Consolas" panose="020B0609020204030204" pitchFamily="49" charset="0"/>
-            </a:endParaRPr>
-          </a:p>
-          <a:p>
-            <a:pPr>
-              <a:lnSpc>
-                <a:spcPts val="1700"/>
-              </a:lnSpc>
-              <a:buNone/>
-            </a:pPr>
-            <a:r>
-              <a:rPr lang="en-US" sz="1600" b="0" dirty="0">
-                <a:solidFill>
-                  <a:srgbClr val="D4D4D4"/>
-                </a:solidFill>
-                <a:effectLst/>
-                <a:latin typeface="Consolas" panose="020B0609020204030204" pitchFamily="49" charset="0"/>
-              </a:rPr>
-              <a:t>        }</a:t>
-            </a:r>
-            <a:endParaRPr lang="en-US" sz="1600" b="0" dirty="0">
-              <a:solidFill>
-                <a:srgbClr val="CCCCCC"/>
-              </a:solidFill>
-              <a:effectLst/>
-              <a:latin typeface="Consolas" panose="020B0609020204030204" pitchFamily="49" charset="0"/>
-            </a:endParaRPr>
-          </a:p>
-          <a:p>
-            <a:pPr>
-              <a:lnSpc>
-                <a:spcPts val="1700"/>
-              </a:lnSpc>
-              <a:buNone/>
-            </a:pPr>
-            <a:r>
-              <a:rPr lang="en-US" sz="1600" b="0" dirty="0">
-                <a:solidFill>
-                  <a:srgbClr val="D4D4D4"/>
-                </a:solidFill>
-                <a:effectLst/>
-                <a:latin typeface="Consolas" panose="020B0609020204030204" pitchFamily="49" charset="0"/>
-              </a:rPr>
-              <a:t>    </a:t>
-            </a:r>
-            <a:r>
-              <a:rPr lang="en-US" sz="1600" b="0" dirty="0">
-                <a:solidFill>
-                  <a:srgbClr val="808080"/>
-                </a:solidFill>
-                <a:effectLst/>
-                <a:latin typeface="Consolas" panose="020B0609020204030204" pitchFamily="49" charset="0"/>
-              </a:rPr>
-              <a:t>&lt;/</a:t>
-            </a:r>
-            <a:r>
-              <a:rPr lang="en-US" sz="1600" b="0" dirty="0">
-                <a:solidFill>
-                  <a:srgbClr val="569CD6"/>
-                </a:solidFill>
-                <a:effectLst/>
-                <a:latin typeface="Consolas" panose="020B0609020204030204" pitchFamily="49" charset="0"/>
-              </a:rPr>
-              <a:t>style</a:t>
-            </a:r>
-            <a:r>
-              <a:rPr lang="en-US" sz="1600" b="0" dirty="0">
-                <a:solidFill>
-                  <a:srgbClr val="808080"/>
-                </a:solidFill>
-                <a:effectLst/>
-                <a:latin typeface="Consolas" panose="020B0609020204030204" pitchFamily="49" charset="0"/>
-              </a:rPr>
-              <a:t>&gt;</a:t>
-            </a:r>
-            <a:endParaRPr lang="en-US" sz="1600" b="0" dirty="0">
-              <a:solidFill>
-                <a:srgbClr val="CCCCCC"/>
-              </a:solidFill>
-              <a:effectLst/>
-              <a:latin typeface="Consolas" panose="020B0609020204030204" pitchFamily="49" charset="0"/>
-            </a:endParaRPr>
-          </a:p>
-          <a:p>
-            <a:pPr>
-              <a:lnSpc>
-                <a:spcPts val="1700"/>
-              </a:lnSpc>
-            </a:pPr>
-            <a:r>
-              <a:rPr lang="en-US" sz="1600" b="0" dirty="0">
-                <a:solidFill>
-                  <a:srgbClr val="808080"/>
-                </a:solidFill>
-                <a:effectLst/>
-                <a:latin typeface="Consolas" panose="020B0609020204030204" pitchFamily="49" charset="0"/>
-              </a:rPr>
-              <a:t>&lt;/</a:t>
-            </a:r>
-            <a:r>
-              <a:rPr lang="en-US" sz="1600" b="0" dirty="0">
-                <a:solidFill>
-                  <a:srgbClr val="569CD6"/>
-                </a:solidFill>
-                <a:effectLst/>
-                <a:latin typeface="Consolas" panose="020B0609020204030204" pitchFamily="49" charset="0"/>
-              </a:rPr>
-              <a:t>head</a:t>
-            </a:r>
-            <a:r>
-              <a:rPr lang="en-US" sz="1600" b="0" dirty="0">
-                <a:solidFill>
-                  <a:srgbClr val="808080"/>
-                </a:solidFill>
-                <a:effectLst/>
-                <a:latin typeface="Consolas" panose="020B0609020204030204" pitchFamily="49" charset="0"/>
-              </a:rPr>
-              <a:t>&gt;</a:t>
-            </a:r>
-            <a:endParaRPr lang="en-US" sz="1600" b="0" dirty="0">
-              <a:solidFill>
-                <a:srgbClr val="CCCCCC"/>
-              </a:solidFill>
-              <a:effectLst/>
-              <a:latin typeface="Consolas" panose="020B0609020204030204" pitchFamily="49" charset="0"/>
-            </a:endParaRPr>
-          </a:p>
-        </p:txBody>
-      </p:sp>
-    </p:spTree>
-    <p:extLst>
-      <p:ext uri="{BB962C8B-B14F-4D97-AF65-F5344CB8AC3E}">
-        <p14:creationId xmlns:p14="http://schemas.microsoft.com/office/powerpoint/2010/main" val="2130516126"/>
       </p:ext>
     </p:extLst>
   </p:cSld>
@@ -18683,6 +17721,1342 @@
       </p:grpSpPr>
       <p:sp>
         <p:nvSpPr>
+          <p:cNvPr id="2" name="Title 1">
+            <a:extLst>
+              <a:ext uri="{FF2B5EF4-FFF2-40B4-BE49-F238E27FC236}">
+                <a16:creationId xmlns:a16="http://schemas.microsoft.com/office/drawing/2014/main" id="{BD1455C1-BAE8-2DF4-80AF-441BDF98E0E8}"/>
+              </a:ext>
+            </a:extLst>
+          </p:cNvPr>
+          <p:cNvSpPr>
+            <a:spLocks noGrp="1"/>
+          </p:cNvSpPr>
+          <p:nvPr>
+            <p:ph type="title"/>
+          </p:nvPr>
+        </p:nvSpPr>
+        <p:spPr/>
+        <p:txBody>
+          <a:bodyPr/>
+          <a:lstStyle/>
+          <a:p>
+            <a:r>
+              <a:rPr lang="en-US" dirty="0"/>
+              <a:t>Using Web Client</a:t>
+            </a:r>
+          </a:p>
+        </p:txBody>
+      </p:sp>
+      <p:sp>
+        <p:nvSpPr>
+          <p:cNvPr id="4" name="TextBox 3">
+            <a:extLst>
+              <a:ext uri="{FF2B5EF4-FFF2-40B4-BE49-F238E27FC236}">
+                <a16:creationId xmlns:a16="http://schemas.microsoft.com/office/drawing/2014/main" id="{6B52DB2F-4846-FED8-BC04-216164268F03}"/>
+              </a:ext>
+            </a:extLst>
+          </p:cNvPr>
+          <p:cNvSpPr txBox="1"/>
+          <p:nvPr/>
+        </p:nvSpPr>
+        <p:spPr>
+          <a:xfrm>
+            <a:off x="935420" y="1697606"/>
+            <a:ext cx="9932277" cy="4452501"/>
+          </a:xfrm>
+          <a:prstGeom prst="rect">
+            <a:avLst/>
+          </a:prstGeom>
+          <a:noFill/>
+        </p:spPr>
+        <p:txBody>
+          <a:bodyPr wrap="square">
+            <a:spAutoFit/>
+          </a:bodyPr>
+          <a:lstStyle/>
+          <a:p>
+            <a:pPr>
+              <a:lnSpc>
+                <a:spcPts val="1700"/>
+              </a:lnSpc>
+              <a:buNone/>
+            </a:pPr>
+            <a:r>
+              <a:rPr lang="en-US" sz="1600" b="0" dirty="0">
+                <a:solidFill>
+                  <a:srgbClr val="808080"/>
+                </a:solidFill>
+                <a:effectLst/>
+                <a:latin typeface="Consolas" panose="020B0609020204030204" pitchFamily="49" charset="0"/>
+              </a:rPr>
+              <a:t>&lt;!</a:t>
+            </a:r>
+            <a:r>
+              <a:rPr lang="en-US" sz="1600" b="0" dirty="0">
+                <a:solidFill>
+                  <a:srgbClr val="569CD6"/>
+                </a:solidFill>
+                <a:effectLst/>
+                <a:latin typeface="Consolas" panose="020B0609020204030204" pitchFamily="49" charset="0"/>
+              </a:rPr>
+              <a:t>DOCTYPE</a:t>
+            </a:r>
+            <a:r>
+              <a:rPr lang="en-US" sz="1600" b="0" dirty="0">
+                <a:solidFill>
+                  <a:srgbClr val="CCCCCC"/>
+                </a:solidFill>
+                <a:effectLst/>
+                <a:latin typeface="Consolas" panose="020B0609020204030204" pitchFamily="49" charset="0"/>
+              </a:rPr>
+              <a:t> </a:t>
+            </a:r>
+            <a:r>
+              <a:rPr lang="en-US" sz="1600" b="0" dirty="0">
+                <a:solidFill>
+                  <a:srgbClr val="9CDCFE"/>
+                </a:solidFill>
+                <a:effectLst/>
+                <a:latin typeface="Consolas" panose="020B0609020204030204" pitchFamily="49" charset="0"/>
+              </a:rPr>
+              <a:t>html</a:t>
+            </a:r>
+            <a:r>
+              <a:rPr lang="en-US" sz="1600" b="0" dirty="0">
+                <a:solidFill>
+                  <a:srgbClr val="808080"/>
+                </a:solidFill>
+                <a:effectLst/>
+                <a:latin typeface="Consolas" panose="020B0609020204030204" pitchFamily="49" charset="0"/>
+              </a:rPr>
+              <a:t>&gt;</a:t>
+            </a:r>
+            <a:endParaRPr lang="en-US" sz="1600" b="0" dirty="0">
+              <a:solidFill>
+                <a:srgbClr val="CCCCCC"/>
+              </a:solidFill>
+              <a:effectLst/>
+              <a:latin typeface="Consolas" panose="020B0609020204030204" pitchFamily="49" charset="0"/>
+            </a:endParaRPr>
+          </a:p>
+          <a:p>
+            <a:pPr>
+              <a:lnSpc>
+                <a:spcPts val="1700"/>
+              </a:lnSpc>
+              <a:buNone/>
+            </a:pPr>
+            <a:r>
+              <a:rPr lang="en-US" sz="1600" b="0" dirty="0">
+                <a:solidFill>
+                  <a:srgbClr val="808080"/>
+                </a:solidFill>
+                <a:effectLst/>
+                <a:latin typeface="Consolas" panose="020B0609020204030204" pitchFamily="49" charset="0"/>
+              </a:rPr>
+              <a:t>&lt;</a:t>
+            </a:r>
+            <a:r>
+              <a:rPr lang="en-US" sz="1600" b="0" dirty="0">
+                <a:solidFill>
+                  <a:srgbClr val="569CD6"/>
+                </a:solidFill>
+                <a:effectLst/>
+                <a:latin typeface="Consolas" panose="020B0609020204030204" pitchFamily="49" charset="0"/>
+              </a:rPr>
+              <a:t>html</a:t>
+            </a:r>
+            <a:r>
+              <a:rPr lang="en-US" sz="1600" b="0" dirty="0">
+                <a:solidFill>
+                  <a:srgbClr val="CCCCCC"/>
+                </a:solidFill>
+                <a:effectLst/>
+                <a:latin typeface="Consolas" panose="020B0609020204030204" pitchFamily="49" charset="0"/>
+              </a:rPr>
+              <a:t> </a:t>
+            </a:r>
+            <a:r>
+              <a:rPr lang="en-US" sz="1600" b="0" dirty="0">
+                <a:solidFill>
+                  <a:srgbClr val="9CDCFE"/>
+                </a:solidFill>
+                <a:effectLst/>
+                <a:latin typeface="Consolas" panose="020B0609020204030204" pitchFamily="49" charset="0"/>
+              </a:rPr>
+              <a:t>lang</a:t>
+            </a:r>
+            <a:r>
+              <a:rPr lang="en-US" sz="1600" b="0" dirty="0">
+                <a:solidFill>
+                  <a:srgbClr val="CCCCCC"/>
+                </a:solidFill>
+                <a:effectLst/>
+                <a:latin typeface="Consolas" panose="020B0609020204030204" pitchFamily="49" charset="0"/>
+              </a:rPr>
+              <a:t>=</a:t>
+            </a:r>
+            <a:r>
+              <a:rPr lang="en-US" sz="1600" b="0" dirty="0">
+                <a:solidFill>
+                  <a:srgbClr val="CE9178"/>
+                </a:solidFill>
+                <a:effectLst/>
+                <a:latin typeface="Consolas" panose="020B0609020204030204" pitchFamily="49" charset="0"/>
+              </a:rPr>
+              <a:t>"</a:t>
+            </a:r>
+            <a:r>
+              <a:rPr lang="en-US" sz="1600" b="0" dirty="0" err="1">
+                <a:solidFill>
+                  <a:srgbClr val="CE9178"/>
+                </a:solidFill>
+                <a:effectLst/>
+                <a:latin typeface="Consolas" panose="020B0609020204030204" pitchFamily="49" charset="0"/>
+              </a:rPr>
+              <a:t>en</a:t>
+            </a:r>
+            <a:r>
+              <a:rPr lang="en-US" sz="1600" b="0" dirty="0">
+                <a:solidFill>
+                  <a:srgbClr val="CE9178"/>
+                </a:solidFill>
+                <a:effectLst/>
+                <a:latin typeface="Consolas" panose="020B0609020204030204" pitchFamily="49" charset="0"/>
+              </a:rPr>
+              <a:t>"</a:t>
+            </a:r>
+            <a:r>
+              <a:rPr lang="en-US" sz="1600" b="0" dirty="0">
+                <a:solidFill>
+                  <a:srgbClr val="808080"/>
+                </a:solidFill>
+                <a:effectLst/>
+                <a:latin typeface="Consolas" panose="020B0609020204030204" pitchFamily="49" charset="0"/>
+              </a:rPr>
+              <a:t>&gt;</a:t>
+            </a:r>
+            <a:endParaRPr lang="en-US" sz="1600" b="0" dirty="0">
+              <a:solidFill>
+                <a:srgbClr val="CCCCCC"/>
+              </a:solidFill>
+              <a:effectLst/>
+              <a:latin typeface="Consolas" panose="020B0609020204030204" pitchFamily="49" charset="0"/>
+            </a:endParaRPr>
+          </a:p>
+          <a:p>
+            <a:pPr>
+              <a:lnSpc>
+                <a:spcPts val="1700"/>
+              </a:lnSpc>
+              <a:buNone/>
+            </a:pPr>
+            <a:r>
+              <a:rPr lang="en-US" sz="1600" b="0" dirty="0">
+                <a:solidFill>
+                  <a:srgbClr val="808080"/>
+                </a:solidFill>
+                <a:effectLst/>
+                <a:latin typeface="Consolas" panose="020B0609020204030204" pitchFamily="49" charset="0"/>
+              </a:rPr>
+              <a:t>&lt;</a:t>
+            </a:r>
+            <a:r>
+              <a:rPr lang="en-US" sz="1600" b="0" dirty="0">
+                <a:solidFill>
+                  <a:srgbClr val="569CD6"/>
+                </a:solidFill>
+                <a:effectLst/>
+                <a:latin typeface="Consolas" panose="020B0609020204030204" pitchFamily="49" charset="0"/>
+              </a:rPr>
+              <a:t>head</a:t>
+            </a:r>
+            <a:r>
+              <a:rPr lang="en-US" sz="1600" b="0" dirty="0">
+                <a:solidFill>
+                  <a:srgbClr val="808080"/>
+                </a:solidFill>
+                <a:effectLst/>
+                <a:latin typeface="Consolas" panose="020B0609020204030204" pitchFamily="49" charset="0"/>
+              </a:rPr>
+              <a:t>&gt;</a:t>
+            </a:r>
+            <a:endParaRPr lang="en-US" sz="1600" b="0" dirty="0">
+              <a:solidFill>
+                <a:srgbClr val="CCCCCC"/>
+              </a:solidFill>
+              <a:effectLst/>
+              <a:latin typeface="Consolas" panose="020B0609020204030204" pitchFamily="49" charset="0"/>
+            </a:endParaRPr>
+          </a:p>
+          <a:p>
+            <a:pPr>
+              <a:lnSpc>
+                <a:spcPts val="1700"/>
+              </a:lnSpc>
+              <a:buNone/>
+            </a:pPr>
+            <a:r>
+              <a:rPr lang="en-US" sz="1600" b="0" dirty="0">
+                <a:solidFill>
+                  <a:srgbClr val="CCCCCC"/>
+                </a:solidFill>
+                <a:effectLst/>
+                <a:latin typeface="Consolas" panose="020B0609020204030204" pitchFamily="49" charset="0"/>
+              </a:rPr>
+              <a:t>    </a:t>
+            </a:r>
+            <a:r>
+              <a:rPr lang="en-US" sz="1600" b="0" dirty="0">
+                <a:solidFill>
+                  <a:srgbClr val="808080"/>
+                </a:solidFill>
+                <a:effectLst/>
+                <a:latin typeface="Consolas" panose="020B0609020204030204" pitchFamily="49" charset="0"/>
+              </a:rPr>
+              <a:t>&lt;</a:t>
+            </a:r>
+            <a:r>
+              <a:rPr lang="en-US" sz="1600" b="0" dirty="0">
+                <a:solidFill>
+                  <a:srgbClr val="569CD6"/>
+                </a:solidFill>
+                <a:effectLst/>
+                <a:latin typeface="Consolas" panose="020B0609020204030204" pitchFamily="49" charset="0"/>
+              </a:rPr>
+              <a:t>meta</a:t>
+            </a:r>
+            <a:r>
+              <a:rPr lang="en-US" sz="1600" b="0" dirty="0">
+                <a:solidFill>
+                  <a:srgbClr val="CCCCCC"/>
+                </a:solidFill>
+                <a:effectLst/>
+                <a:latin typeface="Consolas" panose="020B0609020204030204" pitchFamily="49" charset="0"/>
+              </a:rPr>
+              <a:t> </a:t>
+            </a:r>
+            <a:r>
+              <a:rPr lang="en-US" sz="1600" b="0" dirty="0">
+                <a:solidFill>
+                  <a:srgbClr val="9CDCFE"/>
+                </a:solidFill>
+                <a:effectLst/>
+                <a:latin typeface="Consolas" panose="020B0609020204030204" pitchFamily="49" charset="0"/>
+              </a:rPr>
+              <a:t>charset</a:t>
+            </a:r>
+            <a:r>
+              <a:rPr lang="en-US" sz="1600" b="0" dirty="0">
+                <a:solidFill>
+                  <a:srgbClr val="CCCCCC"/>
+                </a:solidFill>
+                <a:effectLst/>
+                <a:latin typeface="Consolas" panose="020B0609020204030204" pitchFamily="49" charset="0"/>
+              </a:rPr>
+              <a:t>=</a:t>
+            </a:r>
+            <a:r>
+              <a:rPr lang="en-US" sz="1600" b="0" dirty="0">
+                <a:solidFill>
+                  <a:srgbClr val="CE9178"/>
+                </a:solidFill>
+                <a:effectLst/>
+                <a:latin typeface="Consolas" panose="020B0609020204030204" pitchFamily="49" charset="0"/>
+              </a:rPr>
+              <a:t>"UTF-8"</a:t>
+            </a:r>
+            <a:r>
+              <a:rPr lang="en-US" sz="1600" b="0" dirty="0">
+                <a:solidFill>
+                  <a:srgbClr val="808080"/>
+                </a:solidFill>
+                <a:effectLst/>
+                <a:latin typeface="Consolas" panose="020B0609020204030204" pitchFamily="49" charset="0"/>
+              </a:rPr>
+              <a:t>&gt;</a:t>
+            </a:r>
+            <a:endParaRPr lang="en-US" sz="1600" b="0" dirty="0">
+              <a:solidFill>
+                <a:srgbClr val="CCCCCC"/>
+              </a:solidFill>
+              <a:effectLst/>
+              <a:latin typeface="Consolas" panose="020B0609020204030204" pitchFamily="49" charset="0"/>
+            </a:endParaRPr>
+          </a:p>
+          <a:p>
+            <a:pPr>
+              <a:lnSpc>
+                <a:spcPts val="1700"/>
+              </a:lnSpc>
+              <a:buNone/>
+            </a:pPr>
+            <a:r>
+              <a:rPr lang="en-US" sz="1600" b="0" dirty="0">
+                <a:solidFill>
+                  <a:srgbClr val="CCCCCC"/>
+                </a:solidFill>
+                <a:effectLst/>
+                <a:latin typeface="Consolas" panose="020B0609020204030204" pitchFamily="49" charset="0"/>
+              </a:rPr>
+              <a:t>    </a:t>
+            </a:r>
+            <a:r>
+              <a:rPr lang="en-US" sz="1600" b="0" dirty="0">
+                <a:solidFill>
+                  <a:srgbClr val="808080"/>
+                </a:solidFill>
+                <a:effectLst/>
+                <a:latin typeface="Consolas" panose="020B0609020204030204" pitchFamily="49" charset="0"/>
+              </a:rPr>
+              <a:t>&lt;</a:t>
+            </a:r>
+            <a:r>
+              <a:rPr lang="en-US" sz="1600" b="0" dirty="0">
+                <a:solidFill>
+                  <a:srgbClr val="569CD6"/>
+                </a:solidFill>
+                <a:effectLst/>
+                <a:latin typeface="Consolas" panose="020B0609020204030204" pitchFamily="49" charset="0"/>
+              </a:rPr>
+              <a:t>meta</a:t>
+            </a:r>
+            <a:r>
+              <a:rPr lang="en-US" sz="1600" b="0" dirty="0">
+                <a:solidFill>
+                  <a:srgbClr val="CCCCCC"/>
+                </a:solidFill>
+                <a:effectLst/>
+                <a:latin typeface="Consolas" panose="020B0609020204030204" pitchFamily="49" charset="0"/>
+              </a:rPr>
+              <a:t> </a:t>
+            </a:r>
+            <a:r>
+              <a:rPr lang="en-US" sz="1600" b="0" dirty="0">
+                <a:solidFill>
+                  <a:srgbClr val="9CDCFE"/>
+                </a:solidFill>
+                <a:effectLst/>
+                <a:latin typeface="Consolas" panose="020B0609020204030204" pitchFamily="49" charset="0"/>
+              </a:rPr>
+              <a:t>name</a:t>
+            </a:r>
+            <a:r>
+              <a:rPr lang="en-US" sz="1600" b="0" dirty="0">
+                <a:solidFill>
+                  <a:srgbClr val="CCCCCC"/>
+                </a:solidFill>
+                <a:effectLst/>
+                <a:latin typeface="Consolas" panose="020B0609020204030204" pitchFamily="49" charset="0"/>
+              </a:rPr>
+              <a:t>=</a:t>
+            </a:r>
+            <a:r>
+              <a:rPr lang="en-US" sz="1600" b="0" dirty="0">
+                <a:solidFill>
+                  <a:srgbClr val="CE9178"/>
+                </a:solidFill>
+                <a:effectLst/>
+                <a:latin typeface="Consolas" panose="020B0609020204030204" pitchFamily="49" charset="0"/>
+              </a:rPr>
+              <a:t>"viewport"</a:t>
+            </a:r>
+            <a:r>
+              <a:rPr lang="en-US" sz="1600" b="0" dirty="0">
+                <a:solidFill>
+                  <a:srgbClr val="CCCCCC"/>
+                </a:solidFill>
+                <a:effectLst/>
+                <a:latin typeface="Consolas" panose="020B0609020204030204" pitchFamily="49" charset="0"/>
+              </a:rPr>
+              <a:t> </a:t>
+            </a:r>
+            <a:r>
+              <a:rPr lang="en-US" sz="1600" b="0" dirty="0">
+                <a:solidFill>
+                  <a:srgbClr val="9CDCFE"/>
+                </a:solidFill>
+                <a:effectLst/>
+                <a:latin typeface="Consolas" panose="020B0609020204030204" pitchFamily="49" charset="0"/>
+              </a:rPr>
+              <a:t>content</a:t>
+            </a:r>
+            <a:r>
+              <a:rPr lang="en-US" sz="1600" b="0" dirty="0">
+                <a:solidFill>
+                  <a:srgbClr val="CCCCCC"/>
+                </a:solidFill>
+                <a:effectLst/>
+                <a:latin typeface="Consolas" panose="020B0609020204030204" pitchFamily="49" charset="0"/>
+              </a:rPr>
+              <a:t>=</a:t>
+            </a:r>
+            <a:r>
+              <a:rPr lang="en-US" sz="1600" b="0" dirty="0">
+                <a:solidFill>
+                  <a:srgbClr val="CE9178"/>
+                </a:solidFill>
+                <a:effectLst/>
+                <a:latin typeface="Consolas" panose="020B0609020204030204" pitchFamily="49" charset="0"/>
+              </a:rPr>
+              <a:t>"width=device-width, initial-scale=1.0"</a:t>
+            </a:r>
+            <a:r>
+              <a:rPr lang="en-US" sz="1600" b="0" dirty="0">
+                <a:solidFill>
+                  <a:srgbClr val="808080"/>
+                </a:solidFill>
+                <a:effectLst/>
+                <a:latin typeface="Consolas" panose="020B0609020204030204" pitchFamily="49" charset="0"/>
+              </a:rPr>
+              <a:t>&gt;</a:t>
+            </a:r>
+            <a:endParaRPr lang="en-US" sz="1600" b="0" dirty="0">
+              <a:solidFill>
+                <a:srgbClr val="CCCCCC"/>
+              </a:solidFill>
+              <a:effectLst/>
+              <a:latin typeface="Consolas" panose="020B0609020204030204" pitchFamily="49" charset="0"/>
+            </a:endParaRPr>
+          </a:p>
+          <a:p>
+            <a:pPr>
+              <a:lnSpc>
+                <a:spcPts val="1700"/>
+              </a:lnSpc>
+              <a:buNone/>
+            </a:pPr>
+            <a:r>
+              <a:rPr lang="en-US" sz="1600" b="0" dirty="0">
+                <a:solidFill>
+                  <a:srgbClr val="CCCCCC"/>
+                </a:solidFill>
+                <a:effectLst/>
+                <a:latin typeface="Consolas" panose="020B0609020204030204" pitchFamily="49" charset="0"/>
+              </a:rPr>
+              <a:t>    </a:t>
+            </a:r>
+            <a:r>
+              <a:rPr lang="en-US" sz="1600" b="0" dirty="0">
+                <a:solidFill>
+                  <a:srgbClr val="808080"/>
+                </a:solidFill>
+                <a:effectLst/>
+                <a:latin typeface="Consolas" panose="020B0609020204030204" pitchFamily="49" charset="0"/>
+              </a:rPr>
+              <a:t>&lt;</a:t>
+            </a:r>
+            <a:r>
+              <a:rPr lang="en-US" sz="1600" b="0" dirty="0">
+                <a:solidFill>
+                  <a:srgbClr val="569CD6"/>
+                </a:solidFill>
+                <a:effectLst/>
+                <a:latin typeface="Consolas" panose="020B0609020204030204" pitchFamily="49" charset="0"/>
+              </a:rPr>
+              <a:t>title</a:t>
+            </a:r>
+            <a:r>
+              <a:rPr lang="en-US" sz="1600" b="0" dirty="0">
+                <a:solidFill>
+                  <a:srgbClr val="808080"/>
+                </a:solidFill>
+                <a:effectLst/>
+                <a:latin typeface="Consolas" panose="020B0609020204030204" pitchFamily="49" charset="0"/>
+              </a:rPr>
+              <a:t>&gt;</a:t>
+            </a:r>
+            <a:r>
+              <a:rPr lang="en-US" sz="1600" b="0" dirty="0">
+                <a:solidFill>
+                  <a:srgbClr val="CCCCCC"/>
+                </a:solidFill>
+                <a:effectLst/>
+                <a:latin typeface="Consolas" panose="020B0609020204030204" pitchFamily="49" charset="0"/>
+              </a:rPr>
+              <a:t>Stock Data Viewer</a:t>
+            </a:r>
+            <a:r>
+              <a:rPr lang="en-US" sz="1600" b="0" dirty="0">
+                <a:solidFill>
+                  <a:srgbClr val="808080"/>
+                </a:solidFill>
+                <a:effectLst/>
+                <a:latin typeface="Consolas" panose="020B0609020204030204" pitchFamily="49" charset="0"/>
+              </a:rPr>
+              <a:t>&lt;/</a:t>
+            </a:r>
+            <a:r>
+              <a:rPr lang="en-US" sz="1600" b="0" dirty="0">
+                <a:solidFill>
+                  <a:srgbClr val="569CD6"/>
+                </a:solidFill>
+                <a:effectLst/>
+                <a:latin typeface="Consolas" panose="020B0609020204030204" pitchFamily="49" charset="0"/>
+              </a:rPr>
+              <a:t>title</a:t>
+            </a:r>
+            <a:r>
+              <a:rPr lang="en-US" sz="1600" b="0" dirty="0">
+                <a:solidFill>
+                  <a:srgbClr val="808080"/>
+                </a:solidFill>
+                <a:effectLst/>
+                <a:latin typeface="Consolas" panose="020B0609020204030204" pitchFamily="49" charset="0"/>
+              </a:rPr>
+              <a:t>&gt;</a:t>
+            </a:r>
+            <a:endParaRPr lang="en-US" sz="1600" b="0" dirty="0">
+              <a:solidFill>
+                <a:srgbClr val="CCCCCC"/>
+              </a:solidFill>
+              <a:effectLst/>
+              <a:latin typeface="Consolas" panose="020B0609020204030204" pitchFamily="49" charset="0"/>
+            </a:endParaRPr>
+          </a:p>
+          <a:p>
+            <a:pPr>
+              <a:lnSpc>
+                <a:spcPts val="1700"/>
+              </a:lnSpc>
+              <a:buNone/>
+            </a:pPr>
+            <a:r>
+              <a:rPr lang="en-US" sz="1600" b="0" dirty="0">
+                <a:solidFill>
+                  <a:srgbClr val="CCCCCC"/>
+                </a:solidFill>
+                <a:effectLst/>
+                <a:latin typeface="Consolas" panose="020B0609020204030204" pitchFamily="49" charset="0"/>
+              </a:rPr>
+              <a:t>    </a:t>
+            </a:r>
+            <a:r>
+              <a:rPr lang="en-US" sz="1600" b="0" dirty="0">
+                <a:solidFill>
+                  <a:srgbClr val="808080"/>
+                </a:solidFill>
+                <a:effectLst/>
+                <a:latin typeface="Consolas" panose="020B0609020204030204" pitchFamily="49" charset="0"/>
+              </a:rPr>
+              <a:t>&lt;</a:t>
+            </a:r>
+            <a:r>
+              <a:rPr lang="en-US" sz="1600" b="0" dirty="0">
+                <a:solidFill>
+                  <a:srgbClr val="569CD6"/>
+                </a:solidFill>
+                <a:effectLst/>
+                <a:latin typeface="Consolas" panose="020B0609020204030204" pitchFamily="49" charset="0"/>
+              </a:rPr>
+              <a:t>style</a:t>
+            </a:r>
+            <a:r>
+              <a:rPr lang="en-US" sz="1600" b="0" dirty="0">
+                <a:solidFill>
+                  <a:srgbClr val="808080"/>
+                </a:solidFill>
+                <a:effectLst/>
+                <a:latin typeface="Consolas" panose="020B0609020204030204" pitchFamily="49" charset="0"/>
+              </a:rPr>
+              <a:t>&gt;</a:t>
+            </a:r>
+            <a:endParaRPr lang="en-US" sz="1600" b="0" dirty="0">
+              <a:solidFill>
+                <a:srgbClr val="CCCCCC"/>
+              </a:solidFill>
+              <a:effectLst/>
+              <a:latin typeface="Consolas" panose="020B0609020204030204" pitchFamily="49" charset="0"/>
+            </a:endParaRPr>
+          </a:p>
+          <a:p>
+            <a:pPr>
+              <a:lnSpc>
+                <a:spcPts val="1700"/>
+              </a:lnSpc>
+              <a:buNone/>
+            </a:pPr>
+            <a:r>
+              <a:rPr lang="en-US" sz="1600" b="0" dirty="0">
+                <a:solidFill>
+                  <a:srgbClr val="D4D4D4"/>
+                </a:solidFill>
+                <a:effectLst/>
+                <a:latin typeface="Consolas" panose="020B0609020204030204" pitchFamily="49" charset="0"/>
+              </a:rPr>
+              <a:t>        </a:t>
+            </a:r>
+            <a:r>
+              <a:rPr lang="en-US" sz="1600" b="0" dirty="0">
+                <a:solidFill>
+                  <a:srgbClr val="D7BA7D"/>
+                </a:solidFill>
+                <a:effectLst/>
+                <a:latin typeface="Consolas" panose="020B0609020204030204" pitchFamily="49" charset="0"/>
+              </a:rPr>
+              <a:t>body</a:t>
+            </a:r>
+            <a:r>
+              <a:rPr lang="en-US" sz="1600" b="0" dirty="0">
+                <a:solidFill>
+                  <a:srgbClr val="D4D4D4"/>
+                </a:solidFill>
+                <a:effectLst/>
+                <a:latin typeface="Consolas" panose="020B0609020204030204" pitchFamily="49" charset="0"/>
+              </a:rPr>
+              <a:t> {</a:t>
+            </a:r>
+            <a:endParaRPr lang="en-US" sz="1600" b="0" dirty="0">
+              <a:solidFill>
+                <a:srgbClr val="CCCCCC"/>
+              </a:solidFill>
+              <a:effectLst/>
+              <a:latin typeface="Consolas" panose="020B0609020204030204" pitchFamily="49" charset="0"/>
+            </a:endParaRPr>
+          </a:p>
+          <a:p>
+            <a:pPr>
+              <a:lnSpc>
+                <a:spcPts val="1700"/>
+              </a:lnSpc>
+              <a:buNone/>
+            </a:pPr>
+            <a:r>
+              <a:rPr lang="en-US" sz="1600" b="0" dirty="0">
+                <a:solidFill>
+                  <a:srgbClr val="D4D4D4"/>
+                </a:solidFill>
+                <a:effectLst/>
+                <a:latin typeface="Consolas" panose="020B0609020204030204" pitchFamily="49" charset="0"/>
+              </a:rPr>
+              <a:t>            </a:t>
+            </a:r>
+            <a:r>
+              <a:rPr lang="en-US" sz="1600" b="0" dirty="0">
+                <a:solidFill>
+                  <a:srgbClr val="9CDCFE"/>
+                </a:solidFill>
+                <a:effectLst/>
+                <a:latin typeface="Consolas" panose="020B0609020204030204" pitchFamily="49" charset="0"/>
+              </a:rPr>
+              <a:t>font-family</a:t>
+            </a:r>
+            <a:r>
+              <a:rPr lang="en-US" sz="1600" b="0" dirty="0">
+                <a:solidFill>
+                  <a:srgbClr val="D4D4D4"/>
+                </a:solidFill>
+                <a:effectLst/>
+                <a:latin typeface="Consolas" panose="020B0609020204030204" pitchFamily="49" charset="0"/>
+              </a:rPr>
+              <a:t>: </a:t>
+            </a:r>
+            <a:r>
+              <a:rPr lang="en-US" sz="1600" b="0" dirty="0">
+                <a:solidFill>
+                  <a:srgbClr val="CE9178"/>
+                </a:solidFill>
+                <a:effectLst/>
+                <a:latin typeface="Consolas" panose="020B0609020204030204" pitchFamily="49" charset="0"/>
+              </a:rPr>
+              <a:t>Arial</a:t>
+            </a:r>
+            <a:r>
+              <a:rPr lang="en-US" sz="1600" b="0" dirty="0">
+                <a:solidFill>
+                  <a:srgbClr val="D4D4D4"/>
+                </a:solidFill>
+                <a:effectLst/>
+                <a:latin typeface="Consolas" panose="020B0609020204030204" pitchFamily="49" charset="0"/>
+              </a:rPr>
+              <a:t>, </a:t>
+            </a:r>
+            <a:r>
+              <a:rPr lang="en-US" sz="1600" b="0" dirty="0">
+                <a:solidFill>
+                  <a:srgbClr val="CE9178"/>
+                </a:solidFill>
+                <a:effectLst/>
+                <a:latin typeface="Consolas" panose="020B0609020204030204" pitchFamily="49" charset="0"/>
+              </a:rPr>
+              <a:t>sans-serif</a:t>
+            </a:r>
+            <a:r>
+              <a:rPr lang="en-US" sz="1600" b="0" dirty="0">
+                <a:solidFill>
+                  <a:srgbClr val="D4D4D4"/>
+                </a:solidFill>
+                <a:effectLst/>
+                <a:latin typeface="Consolas" panose="020B0609020204030204" pitchFamily="49" charset="0"/>
+              </a:rPr>
+              <a:t>;</a:t>
+            </a:r>
+            <a:endParaRPr lang="en-US" sz="1600" b="0" dirty="0">
+              <a:solidFill>
+                <a:srgbClr val="CCCCCC"/>
+              </a:solidFill>
+              <a:effectLst/>
+              <a:latin typeface="Consolas" panose="020B0609020204030204" pitchFamily="49" charset="0"/>
+            </a:endParaRPr>
+          </a:p>
+          <a:p>
+            <a:pPr>
+              <a:lnSpc>
+                <a:spcPts val="1700"/>
+              </a:lnSpc>
+              <a:buNone/>
+            </a:pPr>
+            <a:r>
+              <a:rPr lang="en-US" sz="1600" b="0" dirty="0">
+                <a:solidFill>
+                  <a:srgbClr val="D4D4D4"/>
+                </a:solidFill>
+                <a:effectLst/>
+                <a:latin typeface="Consolas" panose="020B0609020204030204" pitchFamily="49" charset="0"/>
+              </a:rPr>
+              <a:t>            </a:t>
+            </a:r>
+            <a:r>
+              <a:rPr lang="en-US" sz="1600" b="0" dirty="0">
+                <a:solidFill>
+                  <a:srgbClr val="9CDCFE"/>
+                </a:solidFill>
+                <a:effectLst/>
+                <a:latin typeface="Consolas" panose="020B0609020204030204" pitchFamily="49" charset="0"/>
+              </a:rPr>
+              <a:t>margin</a:t>
+            </a:r>
+            <a:r>
+              <a:rPr lang="en-US" sz="1600" b="0" dirty="0">
+                <a:solidFill>
+                  <a:srgbClr val="D4D4D4"/>
+                </a:solidFill>
+                <a:effectLst/>
+                <a:latin typeface="Consolas" panose="020B0609020204030204" pitchFamily="49" charset="0"/>
+              </a:rPr>
+              <a:t>: </a:t>
+            </a:r>
+            <a:r>
+              <a:rPr lang="en-US" sz="1600" b="0" dirty="0">
+                <a:solidFill>
+                  <a:srgbClr val="B5CEA8"/>
+                </a:solidFill>
+                <a:effectLst/>
+                <a:latin typeface="Consolas" panose="020B0609020204030204" pitchFamily="49" charset="0"/>
+              </a:rPr>
+              <a:t>20px</a:t>
+            </a:r>
+            <a:r>
+              <a:rPr lang="en-US" sz="1600" b="0" dirty="0">
+                <a:solidFill>
+                  <a:srgbClr val="D4D4D4"/>
+                </a:solidFill>
+                <a:effectLst/>
+                <a:latin typeface="Consolas" panose="020B0609020204030204" pitchFamily="49" charset="0"/>
+              </a:rPr>
+              <a:t>;</a:t>
+            </a:r>
+            <a:endParaRPr lang="en-US" sz="1600" b="0" dirty="0">
+              <a:solidFill>
+                <a:srgbClr val="CCCCCC"/>
+              </a:solidFill>
+              <a:effectLst/>
+              <a:latin typeface="Consolas" panose="020B0609020204030204" pitchFamily="49" charset="0"/>
+            </a:endParaRPr>
+          </a:p>
+          <a:p>
+            <a:pPr>
+              <a:lnSpc>
+                <a:spcPts val="1700"/>
+              </a:lnSpc>
+              <a:buNone/>
+            </a:pPr>
+            <a:r>
+              <a:rPr lang="en-US" sz="1600" b="0" dirty="0">
+                <a:solidFill>
+                  <a:srgbClr val="D4D4D4"/>
+                </a:solidFill>
+                <a:effectLst/>
+                <a:latin typeface="Consolas" panose="020B0609020204030204" pitchFamily="49" charset="0"/>
+              </a:rPr>
+              <a:t>        }</a:t>
+            </a:r>
+            <a:endParaRPr lang="en-US" sz="1600" b="0" dirty="0">
+              <a:solidFill>
+                <a:srgbClr val="CCCCCC"/>
+              </a:solidFill>
+              <a:effectLst/>
+              <a:latin typeface="Consolas" panose="020B0609020204030204" pitchFamily="49" charset="0"/>
+            </a:endParaRPr>
+          </a:p>
+          <a:p>
+            <a:pPr>
+              <a:lnSpc>
+                <a:spcPts val="1700"/>
+              </a:lnSpc>
+              <a:buNone/>
+            </a:pPr>
+            <a:r>
+              <a:rPr lang="en-US" sz="1600" b="0" dirty="0">
+                <a:solidFill>
+                  <a:srgbClr val="D4D4D4"/>
+                </a:solidFill>
+                <a:effectLst/>
+                <a:latin typeface="Consolas" panose="020B0609020204030204" pitchFamily="49" charset="0"/>
+              </a:rPr>
+              <a:t>        </a:t>
+            </a:r>
+            <a:r>
+              <a:rPr lang="en-US" sz="1600" b="0" dirty="0">
+                <a:solidFill>
+                  <a:srgbClr val="D7BA7D"/>
+                </a:solidFill>
+                <a:effectLst/>
+                <a:latin typeface="Consolas" panose="020B0609020204030204" pitchFamily="49" charset="0"/>
+              </a:rPr>
+              <a:t>.container</a:t>
+            </a:r>
+            <a:r>
+              <a:rPr lang="en-US" sz="1600" b="0" dirty="0">
+                <a:solidFill>
+                  <a:srgbClr val="D4D4D4"/>
+                </a:solidFill>
+                <a:effectLst/>
+                <a:latin typeface="Consolas" panose="020B0609020204030204" pitchFamily="49" charset="0"/>
+              </a:rPr>
+              <a:t> {</a:t>
+            </a:r>
+            <a:endParaRPr lang="en-US" sz="1600" b="0" dirty="0">
+              <a:solidFill>
+                <a:srgbClr val="CCCCCC"/>
+              </a:solidFill>
+              <a:effectLst/>
+              <a:latin typeface="Consolas" panose="020B0609020204030204" pitchFamily="49" charset="0"/>
+            </a:endParaRPr>
+          </a:p>
+          <a:p>
+            <a:pPr>
+              <a:lnSpc>
+                <a:spcPts val="1700"/>
+              </a:lnSpc>
+              <a:buNone/>
+            </a:pPr>
+            <a:r>
+              <a:rPr lang="en-US" sz="1600" b="0" dirty="0">
+                <a:solidFill>
+                  <a:srgbClr val="D4D4D4"/>
+                </a:solidFill>
+                <a:effectLst/>
+                <a:latin typeface="Consolas" panose="020B0609020204030204" pitchFamily="49" charset="0"/>
+              </a:rPr>
+              <a:t>            </a:t>
+            </a:r>
+            <a:r>
+              <a:rPr lang="en-US" sz="1600" b="0" dirty="0">
+                <a:solidFill>
+                  <a:srgbClr val="9CDCFE"/>
+                </a:solidFill>
+                <a:effectLst/>
+                <a:latin typeface="Consolas" panose="020B0609020204030204" pitchFamily="49" charset="0"/>
+              </a:rPr>
+              <a:t>max-width</a:t>
+            </a:r>
+            <a:r>
+              <a:rPr lang="en-US" sz="1600" b="0" dirty="0">
+                <a:solidFill>
+                  <a:srgbClr val="D4D4D4"/>
+                </a:solidFill>
+                <a:effectLst/>
+                <a:latin typeface="Consolas" panose="020B0609020204030204" pitchFamily="49" charset="0"/>
+              </a:rPr>
+              <a:t>: </a:t>
+            </a:r>
+            <a:r>
+              <a:rPr lang="en-US" sz="1600" b="0" dirty="0">
+                <a:solidFill>
+                  <a:srgbClr val="B5CEA8"/>
+                </a:solidFill>
+                <a:effectLst/>
+                <a:latin typeface="Consolas" panose="020B0609020204030204" pitchFamily="49" charset="0"/>
+              </a:rPr>
+              <a:t>600px</a:t>
+            </a:r>
+            <a:r>
+              <a:rPr lang="en-US" sz="1600" b="0" dirty="0">
+                <a:solidFill>
+                  <a:srgbClr val="D4D4D4"/>
+                </a:solidFill>
+                <a:effectLst/>
+                <a:latin typeface="Consolas" panose="020B0609020204030204" pitchFamily="49" charset="0"/>
+              </a:rPr>
+              <a:t>;</a:t>
+            </a:r>
+            <a:endParaRPr lang="en-US" sz="1600" b="0" dirty="0">
+              <a:solidFill>
+                <a:srgbClr val="CCCCCC"/>
+              </a:solidFill>
+              <a:effectLst/>
+              <a:latin typeface="Consolas" panose="020B0609020204030204" pitchFamily="49" charset="0"/>
+            </a:endParaRPr>
+          </a:p>
+          <a:p>
+            <a:pPr>
+              <a:lnSpc>
+                <a:spcPts val="1700"/>
+              </a:lnSpc>
+              <a:buNone/>
+            </a:pPr>
+            <a:r>
+              <a:rPr lang="en-US" sz="1600" b="0" dirty="0">
+                <a:solidFill>
+                  <a:srgbClr val="D4D4D4"/>
+                </a:solidFill>
+                <a:effectLst/>
+                <a:latin typeface="Consolas" panose="020B0609020204030204" pitchFamily="49" charset="0"/>
+              </a:rPr>
+              <a:t>            </a:t>
+            </a:r>
+            <a:r>
+              <a:rPr lang="en-US" sz="1600" b="0" dirty="0">
+                <a:solidFill>
+                  <a:srgbClr val="9CDCFE"/>
+                </a:solidFill>
+                <a:effectLst/>
+                <a:latin typeface="Consolas" panose="020B0609020204030204" pitchFamily="49" charset="0"/>
+              </a:rPr>
+              <a:t>margin</a:t>
+            </a:r>
+            <a:r>
+              <a:rPr lang="en-US" sz="1600" b="0" dirty="0">
+                <a:solidFill>
+                  <a:srgbClr val="D4D4D4"/>
+                </a:solidFill>
+                <a:effectLst/>
+                <a:latin typeface="Consolas" panose="020B0609020204030204" pitchFamily="49" charset="0"/>
+              </a:rPr>
+              <a:t>: </a:t>
+            </a:r>
+            <a:r>
+              <a:rPr lang="en-US" sz="1600" b="0" dirty="0">
+                <a:solidFill>
+                  <a:srgbClr val="CE9178"/>
+                </a:solidFill>
+                <a:effectLst/>
+                <a:latin typeface="Consolas" panose="020B0609020204030204" pitchFamily="49" charset="0"/>
+              </a:rPr>
+              <a:t>auto</a:t>
+            </a:r>
+            <a:r>
+              <a:rPr lang="en-US" sz="1600" b="0" dirty="0">
+                <a:solidFill>
+                  <a:srgbClr val="D4D4D4"/>
+                </a:solidFill>
+                <a:effectLst/>
+                <a:latin typeface="Consolas" panose="020B0609020204030204" pitchFamily="49" charset="0"/>
+              </a:rPr>
+              <a:t>;</a:t>
+            </a:r>
+            <a:endParaRPr lang="en-US" sz="1600" b="0" dirty="0">
+              <a:solidFill>
+                <a:srgbClr val="CCCCCC"/>
+              </a:solidFill>
+              <a:effectLst/>
+              <a:latin typeface="Consolas" panose="020B0609020204030204" pitchFamily="49" charset="0"/>
+            </a:endParaRPr>
+          </a:p>
+          <a:p>
+            <a:pPr>
+              <a:lnSpc>
+                <a:spcPts val="1700"/>
+              </a:lnSpc>
+              <a:buNone/>
+            </a:pPr>
+            <a:r>
+              <a:rPr lang="en-US" sz="1600" b="0" dirty="0">
+                <a:solidFill>
+                  <a:srgbClr val="D4D4D4"/>
+                </a:solidFill>
+                <a:effectLst/>
+                <a:latin typeface="Consolas" panose="020B0609020204030204" pitchFamily="49" charset="0"/>
+              </a:rPr>
+              <a:t>        }</a:t>
+            </a:r>
+            <a:endParaRPr lang="en-US" sz="1600" b="0" dirty="0">
+              <a:solidFill>
+                <a:srgbClr val="CCCCCC"/>
+              </a:solidFill>
+              <a:effectLst/>
+              <a:latin typeface="Consolas" panose="020B0609020204030204" pitchFamily="49" charset="0"/>
+            </a:endParaRPr>
+          </a:p>
+          <a:p>
+            <a:pPr>
+              <a:lnSpc>
+                <a:spcPts val="1700"/>
+              </a:lnSpc>
+              <a:buNone/>
+            </a:pPr>
+            <a:r>
+              <a:rPr lang="en-US" sz="1600" b="0" dirty="0">
+                <a:solidFill>
+                  <a:srgbClr val="D4D4D4"/>
+                </a:solidFill>
+                <a:effectLst/>
+                <a:latin typeface="Consolas" panose="020B0609020204030204" pitchFamily="49" charset="0"/>
+              </a:rPr>
+              <a:t>        </a:t>
+            </a:r>
+            <a:r>
+              <a:rPr lang="en-US" sz="1600" b="0" dirty="0">
+                <a:solidFill>
+                  <a:srgbClr val="D7BA7D"/>
+                </a:solidFill>
+                <a:effectLst/>
+                <a:latin typeface="Consolas" panose="020B0609020204030204" pitchFamily="49" charset="0"/>
+              </a:rPr>
+              <a:t>.error</a:t>
+            </a:r>
+            <a:r>
+              <a:rPr lang="en-US" sz="1600" b="0" dirty="0">
+                <a:solidFill>
+                  <a:srgbClr val="D4D4D4"/>
+                </a:solidFill>
+                <a:effectLst/>
+                <a:latin typeface="Consolas" panose="020B0609020204030204" pitchFamily="49" charset="0"/>
+              </a:rPr>
+              <a:t> {</a:t>
+            </a:r>
+            <a:endParaRPr lang="en-US" sz="1600" b="0" dirty="0">
+              <a:solidFill>
+                <a:srgbClr val="CCCCCC"/>
+              </a:solidFill>
+              <a:effectLst/>
+              <a:latin typeface="Consolas" panose="020B0609020204030204" pitchFamily="49" charset="0"/>
+            </a:endParaRPr>
+          </a:p>
+          <a:p>
+            <a:pPr>
+              <a:lnSpc>
+                <a:spcPts val="1700"/>
+              </a:lnSpc>
+              <a:buNone/>
+            </a:pPr>
+            <a:r>
+              <a:rPr lang="en-US" sz="1600" b="0" dirty="0">
+                <a:solidFill>
+                  <a:srgbClr val="D4D4D4"/>
+                </a:solidFill>
+                <a:effectLst/>
+                <a:latin typeface="Consolas" panose="020B0609020204030204" pitchFamily="49" charset="0"/>
+              </a:rPr>
+              <a:t>            </a:t>
+            </a:r>
+            <a:r>
+              <a:rPr lang="en-US" sz="1600" b="0" dirty="0">
+                <a:solidFill>
+                  <a:srgbClr val="9CDCFE"/>
+                </a:solidFill>
+                <a:effectLst/>
+                <a:latin typeface="Consolas" panose="020B0609020204030204" pitchFamily="49" charset="0"/>
+              </a:rPr>
+              <a:t>color</a:t>
+            </a:r>
+            <a:r>
+              <a:rPr lang="en-US" sz="1600" b="0" dirty="0">
+                <a:solidFill>
+                  <a:srgbClr val="D4D4D4"/>
+                </a:solidFill>
+                <a:effectLst/>
+                <a:latin typeface="Consolas" panose="020B0609020204030204" pitchFamily="49" charset="0"/>
+              </a:rPr>
+              <a:t>: </a:t>
+            </a:r>
+            <a:r>
+              <a:rPr lang="en-US" sz="1600" b="0" dirty="0">
+                <a:solidFill>
+                  <a:srgbClr val="CE9178"/>
+                </a:solidFill>
+                <a:effectLst/>
+                <a:latin typeface="Consolas" panose="020B0609020204030204" pitchFamily="49" charset="0"/>
+              </a:rPr>
+              <a:t>red</a:t>
+            </a:r>
+            <a:r>
+              <a:rPr lang="en-US" sz="1600" b="0" dirty="0">
+                <a:solidFill>
+                  <a:srgbClr val="D4D4D4"/>
+                </a:solidFill>
+                <a:effectLst/>
+                <a:latin typeface="Consolas" panose="020B0609020204030204" pitchFamily="49" charset="0"/>
+              </a:rPr>
+              <a:t>;</a:t>
+            </a:r>
+            <a:endParaRPr lang="en-US" sz="1600" b="0" dirty="0">
+              <a:solidFill>
+                <a:srgbClr val="CCCCCC"/>
+              </a:solidFill>
+              <a:effectLst/>
+              <a:latin typeface="Consolas" panose="020B0609020204030204" pitchFamily="49" charset="0"/>
+            </a:endParaRPr>
+          </a:p>
+          <a:p>
+            <a:pPr>
+              <a:lnSpc>
+                <a:spcPts val="1700"/>
+              </a:lnSpc>
+              <a:buNone/>
+            </a:pPr>
+            <a:r>
+              <a:rPr lang="en-US" sz="1600" b="0" dirty="0">
+                <a:solidFill>
+                  <a:srgbClr val="D4D4D4"/>
+                </a:solidFill>
+                <a:effectLst/>
+                <a:latin typeface="Consolas" panose="020B0609020204030204" pitchFamily="49" charset="0"/>
+              </a:rPr>
+              <a:t>        }</a:t>
+            </a:r>
+            <a:endParaRPr lang="en-US" sz="1600" b="0" dirty="0">
+              <a:solidFill>
+                <a:srgbClr val="CCCCCC"/>
+              </a:solidFill>
+              <a:effectLst/>
+              <a:latin typeface="Consolas" panose="020B0609020204030204" pitchFamily="49" charset="0"/>
+            </a:endParaRPr>
+          </a:p>
+          <a:p>
+            <a:pPr>
+              <a:lnSpc>
+                <a:spcPts val="1700"/>
+              </a:lnSpc>
+              <a:buNone/>
+            </a:pPr>
+            <a:r>
+              <a:rPr lang="en-US" sz="1600" b="0" dirty="0">
+                <a:solidFill>
+                  <a:srgbClr val="D4D4D4"/>
+                </a:solidFill>
+                <a:effectLst/>
+                <a:latin typeface="Consolas" panose="020B0609020204030204" pitchFamily="49" charset="0"/>
+              </a:rPr>
+              <a:t>    </a:t>
+            </a:r>
+            <a:r>
+              <a:rPr lang="en-US" sz="1600" b="0" dirty="0">
+                <a:solidFill>
+                  <a:srgbClr val="808080"/>
+                </a:solidFill>
+                <a:effectLst/>
+                <a:latin typeface="Consolas" panose="020B0609020204030204" pitchFamily="49" charset="0"/>
+              </a:rPr>
+              <a:t>&lt;/</a:t>
+            </a:r>
+            <a:r>
+              <a:rPr lang="en-US" sz="1600" b="0" dirty="0">
+                <a:solidFill>
+                  <a:srgbClr val="569CD6"/>
+                </a:solidFill>
+                <a:effectLst/>
+                <a:latin typeface="Consolas" panose="020B0609020204030204" pitchFamily="49" charset="0"/>
+              </a:rPr>
+              <a:t>style</a:t>
+            </a:r>
+            <a:r>
+              <a:rPr lang="en-US" sz="1600" b="0" dirty="0">
+                <a:solidFill>
+                  <a:srgbClr val="808080"/>
+                </a:solidFill>
+                <a:effectLst/>
+                <a:latin typeface="Consolas" panose="020B0609020204030204" pitchFamily="49" charset="0"/>
+              </a:rPr>
+              <a:t>&gt;</a:t>
+            </a:r>
+            <a:endParaRPr lang="en-US" sz="1600" b="0" dirty="0">
+              <a:solidFill>
+                <a:srgbClr val="CCCCCC"/>
+              </a:solidFill>
+              <a:effectLst/>
+              <a:latin typeface="Consolas" panose="020B0609020204030204" pitchFamily="49" charset="0"/>
+            </a:endParaRPr>
+          </a:p>
+          <a:p>
+            <a:pPr>
+              <a:lnSpc>
+                <a:spcPts val="1700"/>
+              </a:lnSpc>
+            </a:pPr>
+            <a:r>
+              <a:rPr lang="en-US" sz="1600" b="0" dirty="0">
+                <a:solidFill>
+                  <a:srgbClr val="808080"/>
+                </a:solidFill>
+                <a:effectLst/>
+                <a:latin typeface="Consolas" panose="020B0609020204030204" pitchFamily="49" charset="0"/>
+              </a:rPr>
+              <a:t>&lt;/</a:t>
+            </a:r>
+            <a:r>
+              <a:rPr lang="en-US" sz="1600" b="0" dirty="0">
+                <a:solidFill>
+                  <a:srgbClr val="569CD6"/>
+                </a:solidFill>
+                <a:effectLst/>
+                <a:latin typeface="Consolas" panose="020B0609020204030204" pitchFamily="49" charset="0"/>
+              </a:rPr>
+              <a:t>head</a:t>
+            </a:r>
+            <a:r>
+              <a:rPr lang="en-US" sz="1600" b="0" dirty="0">
+                <a:solidFill>
+                  <a:srgbClr val="808080"/>
+                </a:solidFill>
+                <a:effectLst/>
+                <a:latin typeface="Consolas" panose="020B0609020204030204" pitchFamily="49" charset="0"/>
+              </a:rPr>
+              <a:t>&gt;</a:t>
+            </a:r>
+            <a:endParaRPr lang="en-US" sz="1600" b="0" dirty="0">
+              <a:solidFill>
+                <a:srgbClr val="CCCCCC"/>
+              </a:solidFill>
+              <a:effectLst/>
+              <a:latin typeface="Consolas" panose="020B0609020204030204" pitchFamily="49" charset="0"/>
+            </a:endParaRPr>
+          </a:p>
+        </p:txBody>
+      </p:sp>
+    </p:spTree>
+    <p:extLst>
+      <p:ext uri="{BB962C8B-B14F-4D97-AF65-F5344CB8AC3E}">
+        <p14:creationId xmlns:p14="http://schemas.microsoft.com/office/powerpoint/2010/main" val="2130516126"/>
+      </p:ext>
+    </p:extLst>
+  </p:cSld>
+  <p:clrMapOvr>
+    <a:masterClrMapping/>
+  </p:clrMapOvr>
+</p:sld>
+</file>
+
+<file path=ppt/slides/slide21.xml><?xml version="1.0" encoding="utf-8"?>
+<p:sld xmlns:a="http://schemas.openxmlformats.org/drawingml/2006/main" xmlns:r="http://schemas.openxmlformats.org/officeDocument/2006/relationships" xmlns:p="http://schemas.openxmlformats.org/presentationml/2006/main">
+  <p:cSld>
+    <p:spTree>
+      <p:nvGrpSpPr>
+        <p:cNvPr id="1" name=""/>
+        <p:cNvGrpSpPr/>
+        <p:nvPr/>
+      </p:nvGrpSpPr>
+      <p:grpSpPr>
+        <a:xfrm>
+          <a:off x="0" y="0"/>
+          <a:ext cx="0" cy="0"/>
+          <a:chOff x="0" y="0"/>
+          <a:chExt cx="0" cy="0"/>
+        </a:xfrm>
+      </p:grpSpPr>
+      <p:sp>
+        <p:nvSpPr>
           <p:cNvPr id="3" name="TextBox 2">
             <a:extLst>
               <a:ext uri="{FF2B5EF4-FFF2-40B4-BE49-F238E27FC236}">
@@ -20837,7 +21211,7 @@
 </p:sld>
 </file>
 
-<file path=ppt/slides/slide21.xml><?xml version="1.0" encoding="utf-8"?>
+<file path=ppt/slides/slide22.xml><?xml version="1.0" encoding="utf-8"?>
 <p:sld xmlns:a="http://schemas.openxmlformats.org/drawingml/2006/main" xmlns:r="http://schemas.openxmlformats.org/officeDocument/2006/relationships" xmlns:p="http://schemas.openxmlformats.org/presentationml/2006/main">
   <p:cSld>
     <p:spTree>
@@ -23539,7 +23913,7 @@
 </p:sld>
 </file>
 
-<file path=ppt/slides/slide22.xml><?xml version="1.0" encoding="utf-8"?>
+<file path=ppt/slides/slide23.xml><?xml version="1.0" encoding="utf-8"?>
 <p:sld xmlns:a="http://schemas.openxmlformats.org/drawingml/2006/main" xmlns:r="http://schemas.openxmlformats.org/officeDocument/2006/relationships" xmlns:p="http://schemas.openxmlformats.org/presentationml/2006/main">
   <p:cSld>
     <p:spTree>
@@ -26604,7 +26978,7 @@
 </p:sld>
 </file>
 
-<file path=ppt/slides/slide23.xml><?xml version="1.0" encoding="utf-8"?>
+<file path=ppt/slides/slide24.xml><?xml version="1.0" encoding="utf-8"?>
 <p:sld xmlns:a="http://schemas.openxmlformats.org/drawingml/2006/main" xmlns:r="http://schemas.openxmlformats.org/officeDocument/2006/relationships" xmlns:p="http://schemas.openxmlformats.org/presentationml/2006/main">
   <p:cSld>
     <p:spTree>
@@ -26879,7 +27253,7 @@
 </p:sld>
 </file>
 
-<file path=ppt/slides/slide24.xml><?xml version="1.0" encoding="utf-8"?>
+<file path=ppt/slides/slide25.xml><?xml version="1.0" encoding="utf-8"?>
 <p:sld xmlns:a="http://schemas.openxmlformats.org/drawingml/2006/main" xmlns:r="http://schemas.openxmlformats.org/officeDocument/2006/relationships" xmlns:p="http://schemas.openxmlformats.org/presentationml/2006/main">
   <p:cSld>
     <p:spTree>
@@ -27457,7 +27831,7 @@
 </p:sld>
 </file>
 
-<file path=ppt/slides/slide25.xml><?xml version="1.0" encoding="utf-8"?>
+<file path=ppt/slides/slide26.xml><?xml version="1.0" encoding="utf-8"?>
 <p:sld xmlns:a="http://schemas.openxmlformats.org/drawingml/2006/main" xmlns:r="http://schemas.openxmlformats.org/officeDocument/2006/relationships" xmlns:p="http://schemas.openxmlformats.org/presentationml/2006/main">
   <p:cSld>
     <p:spTree>
@@ -29765,7 +30139,7 @@
 </p:sld>
 </file>
 
-<file path=ppt/slides/slide26.xml><?xml version="1.0" encoding="utf-8"?>
+<file path=ppt/slides/slide27.xml><?xml version="1.0" encoding="utf-8"?>
 <p:sld xmlns:a="http://schemas.openxmlformats.org/drawingml/2006/main" xmlns:r="http://schemas.openxmlformats.org/officeDocument/2006/relationships" xmlns:p="http://schemas.openxmlformats.org/presentationml/2006/main">
   <p:cSld>
     <p:spTree>
@@ -31127,7 +31501,7 @@
 </p:sld>
 </file>
 
-<file path=ppt/slides/slide27.xml><?xml version="1.0" encoding="utf-8"?>
+<file path=ppt/slides/slide28.xml><?xml version="1.0" encoding="utf-8"?>
 <p:sld xmlns:a="http://schemas.openxmlformats.org/drawingml/2006/main" xmlns:r="http://schemas.openxmlformats.org/officeDocument/2006/relationships" xmlns:p="http://schemas.openxmlformats.org/presentationml/2006/main">
   <p:cSld>
     <p:spTree>
@@ -31721,7 +32095,7 @@
 </p:sld>
 </file>
 
-<file path=ppt/slides/slide28.xml><?xml version="1.0" encoding="utf-8"?>
+<file path=ppt/slides/slide29.xml><?xml version="1.0" encoding="utf-8"?>
 <p:sld xmlns:a="http://schemas.openxmlformats.org/drawingml/2006/main" xmlns:r="http://schemas.openxmlformats.org/officeDocument/2006/relationships" xmlns:p="http://schemas.openxmlformats.org/presentationml/2006/main">
   <p:cSld>
     <p:spTree>
@@ -32381,7 +32755,293 @@
 </p:sld>
 </file>
 
-<file path=ppt/slides/slide29.xml><?xml version="1.0" encoding="utf-8"?>
+<file path=ppt/slides/slide3.xml><?xml version="1.0" encoding="utf-8"?>
+<p:sld xmlns:a="http://schemas.openxmlformats.org/drawingml/2006/main" xmlns:r="http://schemas.openxmlformats.org/officeDocument/2006/relationships" xmlns:p="http://schemas.openxmlformats.org/presentationml/2006/main">
+  <p:cSld>
+    <p:bg>
+      <p:bgPr>
+        <a:blipFill rotWithShape="1">
+          <a:blip r:embed="rId2">
+            <a:duotone>
+              <a:schemeClr val="bg2">
+                <a:shade val="69000"/>
+                <a:hueMod val="108000"/>
+                <a:satMod val="164000"/>
+                <a:lumMod val="74000"/>
+              </a:schemeClr>
+              <a:schemeClr val="bg2">
+                <a:tint val="96000"/>
+                <a:hueMod val="88000"/>
+                <a:satMod val="140000"/>
+                <a:lumMod val="132000"/>
+              </a:schemeClr>
+            </a:duotone>
+          </a:blip>
+          <a:stretch/>
+        </a:blipFill>
+        <a:effectLst/>
+      </p:bgPr>
+    </p:bg>
+    <p:spTree>
+      <p:nvGrpSpPr>
+        <p:cNvPr id="1" name=""/>
+        <p:cNvGrpSpPr/>
+        <p:nvPr/>
+      </p:nvGrpSpPr>
+      <p:grpSpPr>
+        <a:xfrm>
+          <a:off x="0" y="0"/>
+          <a:ext cx="0" cy="0"/>
+          <a:chOff x="0" y="0"/>
+          <a:chExt cx="0" cy="0"/>
+        </a:xfrm>
+      </p:grpSpPr>
+      <p:sp>
+        <p:nvSpPr>
+          <p:cNvPr id="1031" name="Rectangle 1030">
+            <a:extLst>
+              <a:ext uri="{FF2B5EF4-FFF2-40B4-BE49-F238E27FC236}">
+                <a16:creationId xmlns:a16="http://schemas.microsoft.com/office/drawing/2014/main" id="{DFB3CEA1-88D9-42FB-88ED-1E9807FE6596}"/>
+              </a:ext>
+              <a:ext uri="{C183D7F6-B498-43B3-948B-1728B52AA6E4}">
+                <adec:decorative xmlns:adec="http://schemas.microsoft.com/office/drawing/2017/decorative" val="1"/>
+              </a:ext>
+            </a:extLst>
+          </p:cNvPr>
+          <p:cNvSpPr>
+            <a:spLocks noGrp="1" noRot="1" noChangeAspect="1" noMove="1" noResize="1" noEditPoints="1" noAdjustHandles="1" noChangeArrowheads="1" noChangeShapeType="1" noTextEdit="1"/>
+          </p:cNvSpPr>
+          <p:nvPr>
+            <p:extLst>
+              <p:ext uri="{386F3935-93C4-4BCD-93E2-E3B085C9AB24}">
+                <p16:designElem xmlns:p16="http://schemas.microsoft.com/office/powerpoint/2015/main" val="1"/>
+              </p:ext>
+            </p:extLst>
+          </p:nvPr>
+        </p:nvSpPr>
+        <p:spPr>
+          <a:xfrm>
+            <a:off x="477012" y="480060"/>
+            <a:ext cx="11237976" cy="5897880"/>
+          </a:xfrm>
+          <a:prstGeom prst="rect">
+            <a:avLst/>
+          </a:prstGeom>
+          <a:solidFill>
+            <a:srgbClr val="FFFFFF"/>
+          </a:solidFill>
+          <a:ln>
+            <a:noFill/>
+          </a:ln>
+        </p:spPr>
+        <p:style>
+          <a:lnRef idx="2">
+            <a:schemeClr val="accent1">
+              <a:shade val="50000"/>
+            </a:schemeClr>
+          </a:lnRef>
+          <a:fillRef idx="1">
+            <a:schemeClr val="accent1"/>
+          </a:fillRef>
+          <a:effectRef idx="0">
+            <a:schemeClr val="accent1"/>
+          </a:effectRef>
+          <a:fontRef idx="minor">
+            <a:schemeClr val="lt1"/>
+          </a:fontRef>
+        </p:style>
+        <p:txBody>
+          <a:bodyPr rtlCol="0" anchor="ctr"/>
+          <a:lstStyle/>
+          <a:p>
+            <a:pPr algn="ctr"/>
+            <a:endParaRPr lang="en-US" dirty="0"/>
+          </a:p>
+        </p:txBody>
+      </p:sp>
+      <p:pic>
+        <p:nvPicPr>
+          <p:cNvPr id="1026" name="Picture 2">
+            <a:extLst>
+              <a:ext uri="{FF2B5EF4-FFF2-40B4-BE49-F238E27FC236}">
+                <a16:creationId xmlns:a16="http://schemas.microsoft.com/office/drawing/2014/main" id="{B4E627B5-8ED7-4F2F-3201-5D2BB62BE904}"/>
+              </a:ext>
+            </a:extLst>
+          </p:cNvPr>
+          <p:cNvPicPr>
+            <a:picLocks noChangeAspect="1" noChangeArrowheads="1"/>
+          </p:cNvPicPr>
+          <p:nvPr/>
+        </p:nvPicPr>
+        <p:blipFill>
+          <a:blip r:embed="rId3">
+            <a:extLst>
+              <a:ext uri="{28A0092B-C50C-407E-A947-70E740481C1C}">
+                <a14:useLocalDpi xmlns:a14="http://schemas.microsoft.com/office/drawing/2010/main" val="0"/>
+              </a:ext>
+            </a:extLst>
+          </a:blip>
+          <a:stretch>
+            <a:fillRect/>
+          </a:stretch>
+        </p:blipFill>
+        <p:spPr bwMode="auto">
+          <a:xfrm>
+            <a:off x="1393239" y="744739"/>
+            <a:ext cx="8938718" cy="4603438"/>
+          </a:xfrm>
+          <a:prstGeom prst="rect">
+            <a:avLst/>
+          </a:prstGeom>
+          <a:noFill/>
+          <a:extLst>
+            <a:ext uri="{909E8E84-426E-40DD-AFC4-6F175D3DCCD1}">
+              <a14:hiddenFill xmlns:a14="http://schemas.microsoft.com/office/drawing/2010/main">
+                <a:solidFill>
+                  <a:srgbClr val="FFFFFF"/>
+                </a:solidFill>
+              </a14:hiddenFill>
+            </a:ext>
+          </a:extLst>
+        </p:spPr>
+      </p:pic>
+      <p:sp>
+        <p:nvSpPr>
+          <p:cNvPr id="1033" name="Rectangle 1032">
+            <a:extLst>
+              <a:ext uri="{FF2B5EF4-FFF2-40B4-BE49-F238E27FC236}">
+                <a16:creationId xmlns:a16="http://schemas.microsoft.com/office/drawing/2014/main" id="{9A6C928E-4252-4F33-8C34-E50A12A3170B}"/>
+              </a:ext>
+              <a:ext uri="{C183D7F6-B498-43B3-948B-1728B52AA6E4}">
+                <adec:decorative xmlns:adec="http://schemas.microsoft.com/office/drawing/2017/decorative" val="1"/>
+              </a:ext>
+            </a:extLst>
+          </p:cNvPr>
+          <p:cNvSpPr>
+            <a:spLocks noGrp="1" noRot="1" noChangeAspect="1" noMove="1" noResize="1" noEditPoints="1" noAdjustHandles="1" noChangeArrowheads="1" noChangeShapeType="1" noTextEdit="1"/>
+          </p:cNvSpPr>
+          <p:nvPr>
+            <p:extLst>
+              <p:ext uri="{386F3935-93C4-4BCD-93E2-E3B085C9AB24}">
+                <p16:designElem xmlns:p16="http://schemas.microsoft.com/office/powerpoint/2015/main" val="1"/>
+              </p:ext>
+            </p:extLst>
+          </p:nvPr>
+        </p:nvSpPr>
+        <p:spPr>
+          <a:xfrm>
+            <a:off x="10437812" y="0"/>
+            <a:ext cx="685800" cy="1143000"/>
+          </a:xfrm>
+          <a:prstGeom prst="rect">
+            <a:avLst/>
+          </a:prstGeom>
+          <a:solidFill>
+            <a:schemeClr val="accent1"/>
+          </a:solidFill>
+          <a:ln>
+            <a:noFill/>
+          </a:ln>
+        </p:spPr>
+        <p:style>
+          <a:lnRef idx="1">
+            <a:schemeClr val="accent1"/>
+          </a:lnRef>
+          <a:fillRef idx="3">
+            <a:schemeClr val="accent1"/>
+          </a:fillRef>
+          <a:effectRef idx="2">
+            <a:schemeClr val="accent1"/>
+          </a:effectRef>
+          <a:fontRef idx="minor">
+            <a:schemeClr val="lt1"/>
+          </a:fontRef>
+        </p:style>
+        <p:txBody>
+          <a:bodyPr/>
+          <a:lstStyle/>
+          <a:p>
+            <a:endParaRPr lang="en-US"/>
+          </a:p>
+        </p:txBody>
+      </p:sp>
+      <p:sp>
+        <p:nvSpPr>
+          <p:cNvPr id="7" name="TextBox 6">
+            <a:extLst>
+              <a:ext uri="{FF2B5EF4-FFF2-40B4-BE49-F238E27FC236}">
+                <a16:creationId xmlns:a16="http://schemas.microsoft.com/office/drawing/2014/main" id="{11E548F4-82AF-8D71-87C0-241074391D4B}"/>
+              </a:ext>
+            </a:extLst>
+          </p:cNvPr>
+          <p:cNvSpPr txBox="1"/>
+          <p:nvPr/>
+        </p:nvSpPr>
+        <p:spPr>
+          <a:xfrm>
+            <a:off x="1911345" y="5528486"/>
+            <a:ext cx="7902506" cy="584775"/>
+          </a:xfrm>
+          <a:prstGeom prst="rect">
+            <a:avLst/>
+          </a:prstGeom>
+          <a:noFill/>
+        </p:spPr>
+        <p:txBody>
+          <a:bodyPr wrap="square">
+            <a:spAutoFit/>
+          </a:bodyPr>
+          <a:lstStyle/>
+          <a:p>
+            <a:r>
+              <a:rPr lang="en-US" sz="1600" dirty="0">
+                <a:solidFill>
+                  <a:schemeClr val="bg1"/>
+                </a:solidFill>
+              </a:rPr>
+              <a:t>REST stands for </a:t>
+            </a:r>
+            <a:r>
+              <a:rPr lang="en-US" sz="1600" b="1" dirty="0" err="1">
+                <a:solidFill>
+                  <a:srgbClr val="0070C0"/>
+                </a:solidFill>
+              </a:rPr>
+              <a:t>REpresentational</a:t>
+            </a:r>
+            <a:r>
+              <a:rPr lang="en-US" sz="1600" b="1" dirty="0">
+                <a:solidFill>
+                  <a:srgbClr val="0070C0"/>
+                </a:solidFill>
+              </a:rPr>
+              <a:t> State Transfer</a:t>
+            </a:r>
+            <a:r>
+              <a:rPr lang="en-US" sz="1600" dirty="0">
+                <a:solidFill>
+                  <a:schemeClr val="bg1"/>
+                </a:solidFill>
+              </a:rPr>
+              <a:t>, a software architectural style that defines constraints for designing web services and APIs.</a:t>
+            </a:r>
+          </a:p>
+        </p:txBody>
+      </p:sp>
+    </p:spTree>
+    <p:extLst>
+      <p:ext uri="{BB962C8B-B14F-4D97-AF65-F5344CB8AC3E}">
+        <p14:creationId xmlns:p14="http://schemas.microsoft.com/office/powerpoint/2010/main" val="3229033979"/>
+      </p:ext>
+    </p:extLst>
+  </p:cSld>
+  <p:clrMapOvr>
+    <a:masterClrMapping/>
+  </p:clrMapOvr>
+</p:sld>
+</file>
+
+<file path=ppt/slides/slide30.xml><?xml version="1.0" encoding="utf-8"?>
 <p:sld xmlns:a="http://schemas.openxmlformats.org/drawingml/2006/main" xmlns:r="http://schemas.openxmlformats.org/officeDocument/2006/relationships" xmlns:p="http://schemas.openxmlformats.org/presentationml/2006/main">
   <p:cSld>
     <p:spTree>
@@ -32946,99 +33606,7 @@
 </p:sld>
 </file>
 
-<file path=ppt/slides/slide3.xml><?xml version="1.0" encoding="utf-8"?>
-<p:sld xmlns:a="http://schemas.openxmlformats.org/drawingml/2006/main" xmlns:r="http://schemas.openxmlformats.org/officeDocument/2006/relationships" xmlns:p="http://schemas.openxmlformats.org/presentationml/2006/main">
-  <p:cSld>
-    <p:spTree>
-      <p:nvGrpSpPr>
-        <p:cNvPr id="1" name=""/>
-        <p:cNvGrpSpPr/>
-        <p:nvPr/>
-      </p:nvGrpSpPr>
-      <p:grpSpPr>
-        <a:xfrm>
-          <a:off x="0" y="0"/>
-          <a:ext cx="0" cy="0"/>
-          <a:chOff x="0" y="0"/>
-          <a:chExt cx="0" cy="0"/>
-        </a:xfrm>
-      </p:grpSpPr>
-      <p:sp>
-        <p:nvSpPr>
-          <p:cNvPr id="2" name="Title 1">
-            <a:extLst>
-              <a:ext uri="{FF2B5EF4-FFF2-40B4-BE49-F238E27FC236}">
-                <a16:creationId xmlns:a16="http://schemas.microsoft.com/office/drawing/2014/main" id="{0556CE51-A400-E432-D7EF-C5A2830BD6DF}"/>
-              </a:ext>
-            </a:extLst>
-          </p:cNvPr>
-          <p:cNvSpPr>
-            <a:spLocks noGrp="1"/>
-          </p:cNvSpPr>
-          <p:nvPr>
-            <p:ph type="title"/>
-          </p:nvPr>
-        </p:nvSpPr>
-        <p:spPr/>
-        <p:txBody>
-          <a:bodyPr/>
-          <a:lstStyle/>
-          <a:p>
-            <a:r>
-              <a:rPr lang="en-US" dirty="0"/>
-              <a:t>Python APIs</a:t>
-            </a:r>
-          </a:p>
-        </p:txBody>
-      </p:sp>
-      <p:sp>
-        <p:nvSpPr>
-          <p:cNvPr id="3" name="Content Placeholder 2">
-            <a:extLst>
-              <a:ext uri="{FF2B5EF4-FFF2-40B4-BE49-F238E27FC236}">
-                <a16:creationId xmlns:a16="http://schemas.microsoft.com/office/drawing/2014/main" id="{382EAE8E-6FDD-85F6-AC86-09FEDEE8929F}"/>
-              </a:ext>
-            </a:extLst>
-          </p:cNvPr>
-          <p:cNvSpPr>
-            <a:spLocks noGrp="1"/>
-          </p:cNvSpPr>
-          <p:nvPr>
-            <p:ph idx="1"/>
-          </p:nvPr>
-        </p:nvSpPr>
-        <p:spPr/>
-        <p:txBody>
-          <a:bodyPr/>
-          <a:lstStyle/>
-          <a:p>
-            <a:r>
-              <a:rPr lang="en-US" dirty="0"/>
-              <a:t>Using Python to interact with external services via their APIs</a:t>
-            </a:r>
-          </a:p>
-          <a:p>
-            <a:r>
-              <a:rPr lang="en-US" dirty="0"/>
-              <a:t>Creating APIs using Python</a:t>
-            </a:r>
-          </a:p>
-        </p:txBody>
-      </p:sp>
-    </p:spTree>
-    <p:extLst>
-      <p:ext uri="{BB962C8B-B14F-4D97-AF65-F5344CB8AC3E}">
-        <p14:creationId xmlns:p14="http://schemas.microsoft.com/office/powerpoint/2010/main" val="1919906445"/>
-      </p:ext>
-    </p:extLst>
-  </p:cSld>
-  <p:clrMapOvr>
-    <a:masterClrMapping/>
-  </p:clrMapOvr>
-</p:sld>
-</file>
-
-<file path=ppt/slides/slide30.xml><?xml version="1.0" encoding="utf-8"?>
+<file path=ppt/slides/slide31.xml><?xml version="1.0" encoding="utf-8"?>
 <p:sld xmlns:a="http://schemas.openxmlformats.org/drawingml/2006/main" xmlns:r="http://schemas.openxmlformats.org/officeDocument/2006/relationships" xmlns:p="http://schemas.openxmlformats.org/presentationml/2006/main">
   <p:cSld>
     <p:spTree>
@@ -33224,7 +33792,7 @@
 </p:sld>
 </file>
 
-<file path=ppt/slides/slide31.xml><?xml version="1.0" encoding="utf-8"?>
+<file path=ppt/slides/slide32.xml><?xml version="1.0" encoding="utf-8"?>
 <p:sld xmlns:a="http://schemas.openxmlformats.org/drawingml/2006/main" xmlns:r="http://schemas.openxmlformats.org/officeDocument/2006/relationships" xmlns:p="http://schemas.openxmlformats.org/presentationml/2006/main">
   <p:cSld>
     <p:spTree>
@@ -33555,7 +34123,7 @@
 </p:sld>
 </file>
 
-<file path=ppt/slides/slide32.xml><?xml version="1.0" encoding="utf-8"?>
+<file path=ppt/slides/slide33.xml><?xml version="1.0" encoding="utf-8"?>
 <p:sld xmlns:a="http://schemas.openxmlformats.org/drawingml/2006/main" xmlns:r="http://schemas.openxmlformats.org/officeDocument/2006/relationships" xmlns:p="http://schemas.openxmlformats.org/presentationml/2006/main">
   <p:cSld>
     <p:spTree>
@@ -34283,7 +34851,7 @@
 </p:sld>
 </file>
 
-<file path=ppt/slides/slide33.xml><?xml version="1.0" encoding="utf-8"?>
+<file path=ppt/slides/slide34.xml><?xml version="1.0" encoding="utf-8"?>
 <p:sld xmlns:a="http://schemas.openxmlformats.org/drawingml/2006/main" xmlns:r="http://schemas.openxmlformats.org/officeDocument/2006/relationships" xmlns:p="http://schemas.openxmlformats.org/presentationml/2006/main">
   <p:cSld>
     <p:spTree>
@@ -35019,6 +35587,98 @@
           <p:cNvPr id="2" name="Title 1">
             <a:extLst>
               <a:ext uri="{FF2B5EF4-FFF2-40B4-BE49-F238E27FC236}">
+                <a16:creationId xmlns:a16="http://schemas.microsoft.com/office/drawing/2014/main" id="{0556CE51-A400-E432-D7EF-C5A2830BD6DF}"/>
+              </a:ext>
+            </a:extLst>
+          </p:cNvPr>
+          <p:cNvSpPr>
+            <a:spLocks noGrp="1"/>
+          </p:cNvSpPr>
+          <p:nvPr>
+            <p:ph type="title"/>
+          </p:nvPr>
+        </p:nvSpPr>
+        <p:spPr/>
+        <p:txBody>
+          <a:bodyPr/>
+          <a:lstStyle/>
+          <a:p>
+            <a:r>
+              <a:rPr lang="en-US" dirty="0"/>
+              <a:t>Python APIs</a:t>
+            </a:r>
+          </a:p>
+        </p:txBody>
+      </p:sp>
+      <p:sp>
+        <p:nvSpPr>
+          <p:cNvPr id="3" name="Content Placeholder 2">
+            <a:extLst>
+              <a:ext uri="{FF2B5EF4-FFF2-40B4-BE49-F238E27FC236}">
+                <a16:creationId xmlns:a16="http://schemas.microsoft.com/office/drawing/2014/main" id="{382EAE8E-6FDD-85F6-AC86-09FEDEE8929F}"/>
+              </a:ext>
+            </a:extLst>
+          </p:cNvPr>
+          <p:cNvSpPr>
+            <a:spLocks noGrp="1"/>
+          </p:cNvSpPr>
+          <p:nvPr>
+            <p:ph idx="1"/>
+          </p:nvPr>
+        </p:nvSpPr>
+        <p:spPr/>
+        <p:txBody>
+          <a:bodyPr/>
+          <a:lstStyle/>
+          <a:p>
+            <a:r>
+              <a:rPr lang="en-US" dirty="0"/>
+              <a:t>Using Python to interact with external services via their APIs</a:t>
+            </a:r>
+          </a:p>
+          <a:p>
+            <a:r>
+              <a:rPr lang="en-US" dirty="0"/>
+              <a:t>Creating APIs using Python</a:t>
+            </a:r>
+          </a:p>
+        </p:txBody>
+      </p:sp>
+    </p:spTree>
+    <p:extLst>
+      <p:ext uri="{BB962C8B-B14F-4D97-AF65-F5344CB8AC3E}">
+        <p14:creationId xmlns:p14="http://schemas.microsoft.com/office/powerpoint/2010/main" val="1919906445"/>
+      </p:ext>
+    </p:extLst>
+  </p:cSld>
+  <p:clrMapOvr>
+    <a:masterClrMapping/>
+  </p:clrMapOvr>
+</p:sld>
+</file>
+
+<file path=ppt/slides/slide5.xml><?xml version="1.0" encoding="utf-8"?>
+<p:sld xmlns:a="http://schemas.openxmlformats.org/drawingml/2006/main" xmlns:r="http://schemas.openxmlformats.org/officeDocument/2006/relationships" xmlns:p="http://schemas.openxmlformats.org/presentationml/2006/main">
+  <p:cSld>
+    <p:spTree>
+      <p:nvGrpSpPr>
+        <p:cNvPr id="1" name=""/>
+        <p:cNvGrpSpPr/>
+        <p:nvPr/>
+      </p:nvGrpSpPr>
+      <p:grpSpPr>
+        <a:xfrm>
+          <a:off x="0" y="0"/>
+          <a:ext cx="0" cy="0"/>
+          <a:chOff x="0" y="0"/>
+          <a:chExt cx="0" cy="0"/>
+        </a:xfrm>
+      </p:grpSpPr>
+      <p:sp>
+        <p:nvSpPr>
+          <p:cNvPr id="2" name="Title 1">
+            <a:extLst>
+              <a:ext uri="{FF2B5EF4-FFF2-40B4-BE49-F238E27FC236}">
                 <a16:creationId xmlns:a16="http://schemas.microsoft.com/office/drawing/2014/main" id="{3CE0DC1B-7D1C-177A-36A2-F877348BECB3}"/>
               </a:ext>
             </a:extLst>
@@ -35367,7 +36027,7 @@
 </p:sld>
 </file>
 
-<file path=ppt/slides/slide5.xml><?xml version="1.0" encoding="utf-8"?>
+<file path=ppt/slides/slide6.xml><?xml version="1.0" encoding="utf-8"?>
 <p:sld xmlns:a="http://schemas.openxmlformats.org/drawingml/2006/main" xmlns:r="http://schemas.openxmlformats.org/officeDocument/2006/relationships" xmlns:p="http://schemas.openxmlformats.org/presentationml/2006/main">
   <p:cSld>
     <p:spTree>
@@ -35479,7 +36139,7 @@
 </p:sld>
 </file>
 
-<file path=ppt/slides/slide6.xml><?xml version="1.0" encoding="utf-8"?>
+<file path=ppt/slides/slide7.xml><?xml version="1.0" encoding="utf-8"?>
 <p:sld xmlns:a="http://schemas.openxmlformats.org/drawingml/2006/main" xmlns:r="http://schemas.openxmlformats.org/officeDocument/2006/relationships" xmlns:p="http://schemas.openxmlformats.org/presentationml/2006/main">
   <p:cSld>
     <p:spTree>
@@ -35704,7 +36364,7 @@
 </p:sld>
 </file>
 
-<file path=ppt/slides/slide7.xml><?xml version="1.0" encoding="utf-8"?>
+<file path=ppt/slides/slide8.xml><?xml version="1.0" encoding="utf-8"?>
 <p:sld xmlns:a="http://schemas.openxmlformats.org/drawingml/2006/main" xmlns:r="http://schemas.openxmlformats.org/officeDocument/2006/relationships" xmlns:p="http://schemas.openxmlformats.org/presentationml/2006/main">
   <p:cSld>
     <p:spTree>
@@ -36314,7 +36974,7 @@
 </p:sld>
 </file>
 
-<file path=ppt/slides/slide8.xml><?xml version="1.0" encoding="utf-8"?>
+<file path=ppt/slides/slide9.xml><?xml version="1.0" encoding="utf-8"?>
 <p:sld xmlns:a="http://schemas.openxmlformats.org/drawingml/2006/main" xmlns:r="http://schemas.openxmlformats.org/officeDocument/2006/relationships" xmlns:p="http://schemas.openxmlformats.org/presentationml/2006/main">
   <p:cSld>
     <p:spTree>
@@ -36412,379 +37072,6 @@
     <p:extLst>
       <p:ext uri="{BB962C8B-B14F-4D97-AF65-F5344CB8AC3E}">
         <p14:creationId xmlns:p14="http://schemas.microsoft.com/office/powerpoint/2010/main" val="3006572403"/>
-      </p:ext>
-    </p:extLst>
-  </p:cSld>
-  <p:clrMapOvr>
-    <a:masterClrMapping/>
-  </p:clrMapOvr>
-</p:sld>
-</file>
-
-<file path=ppt/slides/slide9.xml><?xml version="1.0" encoding="utf-8"?>
-<p:sld xmlns:a="http://schemas.openxmlformats.org/drawingml/2006/main" xmlns:r="http://schemas.openxmlformats.org/officeDocument/2006/relationships" xmlns:p="http://schemas.openxmlformats.org/presentationml/2006/main">
-  <p:cSld>
-    <p:spTree>
-      <p:nvGrpSpPr>
-        <p:cNvPr id="1" name=""/>
-        <p:cNvGrpSpPr/>
-        <p:nvPr/>
-      </p:nvGrpSpPr>
-      <p:grpSpPr>
-        <a:xfrm>
-          <a:off x="0" y="0"/>
-          <a:ext cx="0" cy="0"/>
-          <a:chOff x="0" y="0"/>
-          <a:chExt cx="0" cy="0"/>
-        </a:xfrm>
-      </p:grpSpPr>
-      <p:sp>
-        <p:nvSpPr>
-          <p:cNvPr id="5" name="TextBox 4">
-            <a:extLst>
-              <a:ext uri="{FF2B5EF4-FFF2-40B4-BE49-F238E27FC236}">
-                <a16:creationId xmlns:a16="http://schemas.microsoft.com/office/drawing/2014/main" id="{56F3127A-E6F6-E41A-D071-C264DE5976C1}"/>
-              </a:ext>
-            </a:extLst>
-          </p:cNvPr>
-          <p:cNvSpPr txBox="1"/>
-          <p:nvPr/>
-        </p:nvSpPr>
-        <p:spPr>
-          <a:xfrm>
-            <a:off x="1443368" y="1238127"/>
-            <a:ext cx="8394813" cy="4666470"/>
-          </a:xfrm>
-          <a:prstGeom prst="rect">
-            <a:avLst/>
-          </a:prstGeom>
-          <a:noFill/>
-        </p:spPr>
-        <p:txBody>
-          <a:bodyPr wrap="square">
-            <a:spAutoFit/>
-          </a:bodyPr>
-          <a:lstStyle/>
-          <a:p>
-            <a:pPr>
-              <a:lnSpc>
-                <a:spcPct val="150000"/>
-              </a:lnSpc>
-              <a:buNone/>
-            </a:pPr>
-            <a:r>
-              <a:rPr lang="en-US" sz="2400" b="0" dirty="0">
-                <a:solidFill>
-                  <a:srgbClr val="D6D6DD"/>
-                </a:solidFill>
-                <a:effectLst/>
-                <a:latin typeface="Menlo" panose="020B0609030804020204" pitchFamily="49" charset="0"/>
-              </a:rPr>
-              <a:t>## API Endpoints</a:t>
-            </a:r>
-            <a:endParaRPr lang="en-US" sz="2400" b="0" dirty="0">
-              <a:solidFill>
-                <a:srgbClr val="D8DEE9"/>
-              </a:solidFill>
-              <a:effectLst/>
-              <a:latin typeface="Menlo" panose="020B0609030804020204" pitchFamily="49" charset="0"/>
-            </a:endParaRPr>
-          </a:p>
-          <a:p>
-            <a:pPr>
-              <a:lnSpc>
-                <a:spcPct val="150000"/>
-              </a:lnSpc>
-              <a:buNone/>
-            </a:pPr>
-            <a:br>
-              <a:rPr lang="en-US" sz="1600" b="0" dirty="0">
-                <a:solidFill>
-                  <a:srgbClr val="D8DEE9"/>
-                </a:solidFill>
-                <a:effectLst/>
-                <a:latin typeface="Menlo" panose="020B0609030804020204" pitchFamily="49" charset="0"/>
-              </a:rPr>
-            </a:br>
-            <a:r>
-              <a:rPr lang="en-US" sz="1600" b="0" dirty="0">
-                <a:solidFill>
-                  <a:srgbClr val="D8DEE9"/>
-                </a:solidFill>
-                <a:effectLst/>
-                <a:latin typeface="Menlo" panose="020B0609030804020204" pitchFamily="49" charset="0"/>
-              </a:rPr>
-              <a:t>- </a:t>
-            </a:r>
-            <a:r>
-              <a:rPr lang="en-US" sz="1600" b="0" dirty="0">
-                <a:solidFill>
-                  <a:srgbClr val="D6D6DD"/>
-                </a:solidFill>
-                <a:effectLst/>
-                <a:latin typeface="Menlo" panose="020B0609030804020204" pitchFamily="49" charset="0"/>
-              </a:rPr>
-              <a:t>List All Available Stocks</a:t>
-            </a:r>
-            <a:endParaRPr lang="en-US" sz="1600" b="0" dirty="0">
-              <a:solidFill>
-                <a:srgbClr val="D8DEE9"/>
-              </a:solidFill>
-              <a:effectLst/>
-              <a:latin typeface="Menlo" panose="020B0609030804020204" pitchFamily="49" charset="0"/>
-            </a:endParaRPr>
-          </a:p>
-          <a:p>
-            <a:pPr>
-              <a:lnSpc>
-                <a:spcPct val="150000"/>
-              </a:lnSpc>
-              <a:buNone/>
-            </a:pPr>
-            <a:r>
-              <a:rPr lang="en-US" sz="1600" b="0" dirty="0">
-                <a:solidFill>
-                  <a:srgbClr val="D8DEE9"/>
-                </a:solidFill>
-                <a:effectLst/>
-                <a:latin typeface="Menlo" panose="020B0609030804020204" pitchFamily="49" charset="0"/>
-              </a:rPr>
-              <a:t>	GET /</a:t>
-            </a:r>
-            <a:r>
-              <a:rPr lang="en-US" sz="1600" b="0" dirty="0" err="1">
-                <a:solidFill>
-                  <a:srgbClr val="D8DEE9"/>
-                </a:solidFill>
-                <a:effectLst/>
-                <a:latin typeface="Menlo" panose="020B0609030804020204" pitchFamily="49" charset="0"/>
-              </a:rPr>
-              <a:t>api</a:t>
-            </a:r>
-            <a:r>
-              <a:rPr lang="en-US" sz="1600" b="0" dirty="0">
-                <a:solidFill>
-                  <a:srgbClr val="D8DEE9"/>
-                </a:solidFill>
-                <a:effectLst/>
-                <a:latin typeface="Menlo" panose="020B0609030804020204" pitchFamily="49" charset="0"/>
-              </a:rPr>
-              <a:t>/stocks</a:t>
-            </a:r>
-          </a:p>
-          <a:p>
-            <a:pPr>
-              <a:lnSpc>
-                <a:spcPct val="150000"/>
-              </a:lnSpc>
-              <a:buNone/>
-            </a:pPr>
-            <a:r>
-              <a:rPr lang="en-US" sz="1600" b="0" dirty="0">
-                <a:solidFill>
-                  <a:srgbClr val="D8DEE9"/>
-                </a:solidFill>
-                <a:effectLst/>
-                <a:latin typeface="Menlo" panose="020B0609030804020204" pitchFamily="49" charset="0"/>
-              </a:rPr>
-              <a:t>	Returns a list of all available stock tickers.</a:t>
-            </a:r>
-            <a:br>
-              <a:rPr lang="en-US" sz="1600" b="0" dirty="0">
-                <a:solidFill>
-                  <a:srgbClr val="D8DEE9"/>
-                </a:solidFill>
-                <a:effectLst/>
-                <a:latin typeface="Menlo" panose="020B0609030804020204" pitchFamily="49" charset="0"/>
-              </a:rPr>
-            </a:br>
-            <a:r>
-              <a:rPr lang="en-US" sz="1600" dirty="0">
-                <a:solidFill>
-                  <a:srgbClr val="D6D6DD"/>
-                </a:solidFill>
-                <a:latin typeface="Menlo" panose="020B0609030804020204" pitchFamily="49" charset="0"/>
-              </a:rPr>
-              <a:t>- </a:t>
-            </a:r>
-            <a:r>
-              <a:rPr lang="en-US" sz="1600" b="0" dirty="0">
-                <a:solidFill>
-                  <a:srgbClr val="D6D6DD"/>
-                </a:solidFill>
-                <a:effectLst/>
-                <a:latin typeface="Menlo" panose="020B0609030804020204" pitchFamily="49" charset="0"/>
-              </a:rPr>
-              <a:t>Get Stock Data</a:t>
-            </a:r>
-            <a:endParaRPr lang="en-US" sz="1600" b="0" dirty="0">
-              <a:solidFill>
-                <a:srgbClr val="D8DEE9"/>
-              </a:solidFill>
-              <a:effectLst/>
-              <a:latin typeface="Menlo" panose="020B0609030804020204" pitchFamily="49" charset="0"/>
-            </a:endParaRPr>
-          </a:p>
-          <a:p>
-            <a:pPr>
-              <a:lnSpc>
-                <a:spcPct val="150000"/>
-              </a:lnSpc>
-              <a:buNone/>
-            </a:pPr>
-            <a:r>
-              <a:rPr lang="en-US" sz="1600" b="0" dirty="0">
-                <a:solidFill>
-                  <a:srgbClr val="D8DEE9"/>
-                </a:solidFill>
-                <a:effectLst/>
-                <a:latin typeface="Menlo" panose="020B0609030804020204" pitchFamily="49" charset="0"/>
-              </a:rPr>
-              <a:t>	GET /</a:t>
-            </a:r>
-            <a:r>
-              <a:rPr lang="en-US" sz="1600" b="0" dirty="0" err="1">
-                <a:solidFill>
-                  <a:srgbClr val="D8DEE9"/>
-                </a:solidFill>
-                <a:effectLst/>
-                <a:latin typeface="Menlo" panose="020B0609030804020204" pitchFamily="49" charset="0"/>
-              </a:rPr>
-              <a:t>api</a:t>
-            </a:r>
-            <a:r>
-              <a:rPr lang="en-US" sz="1600" b="0" dirty="0">
-                <a:solidFill>
-                  <a:srgbClr val="D8DEE9"/>
-                </a:solidFill>
-                <a:effectLst/>
-                <a:latin typeface="Menlo" panose="020B0609030804020204" pitchFamily="49" charset="0"/>
-              </a:rPr>
-              <a:t>/stock/&lt;ticker&gt;</a:t>
-            </a:r>
-          </a:p>
-          <a:p>
-            <a:pPr>
-              <a:lnSpc>
-                <a:spcPct val="150000"/>
-              </a:lnSpc>
-              <a:buNone/>
-            </a:pPr>
-            <a:r>
-              <a:rPr lang="en-US" sz="1600" b="0" dirty="0">
-                <a:solidFill>
-                  <a:srgbClr val="D8DEE9"/>
-                </a:solidFill>
-                <a:effectLst/>
-                <a:latin typeface="Menlo" panose="020B0609030804020204" pitchFamily="49" charset="0"/>
-              </a:rPr>
-              <a:t>	Get all data for a specific stock ticker.</a:t>
-            </a:r>
-            <a:br>
-              <a:rPr lang="en-US" sz="1600" b="0" dirty="0">
-                <a:solidFill>
-                  <a:srgbClr val="D8DEE9"/>
-                </a:solidFill>
-                <a:effectLst/>
-                <a:latin typeface="Menlo" panose="020B0609030804020204" pitchFamily="49" charset="0"/>
-              </a:rPr>
-            </a:br>
-            <a:r>
-              <a:rPr lang="en-US" sz="1600" b="0" dirty="0">
-                <a:solidFill>
-                  <a:srgbClr val="D6D6DD"/>
-                </a:solidFill>
-                <a:effectLst/>
-                <a:latin typeface="Menlo" panose="020B0609030804020204" pitchFamily="49" charset="0"/>
-              </a:rPr>
-              <a:t>- Get Stock Data for Specific Date</a:t>
-            </a:r>
-            <a:endParaRPr lang="en-US" sz="1600" b="0" dirty="0">
-              <a:solidFill>
-                <a:srgbClr val="D8DEE9"/>
-              </a:solidFill>
-              <a:effectLst/>
-              <a:latin typeface="Menlo" panose="020B0609030804020204" pitchFamily="49" charset="0"/>
-            </a:endParaRPr>
-          </a:p>
-          <a:p>
-            <a:pPr>
-              <a:lnSpc>
-                <a:spcPct val="150000"/>
-              </a:lnSpc>
-              <a:buNone/>
-            </a:pPr>
-            <a:r>
-              <a:rPr lang="en-US" sz="1600" b="0" dirty="0">
-                <a:solidFill>
-                  <a:srgbClr val="D8DEE9"/>
-                </a:solidFill>
-                <a:effectLst/>
-                <a:latin typeface="Menlo" panose="020B0609030804020204" pitchFamily="49" charset="0"/>
-              </a:rPr>
-              <a:t>	GET /</a:t>
-            </a:r>
-            <a:r>
-              <a:rPr lang="en-US" sz="1600" b="0" dirty="0" err="1">
-                <a:solidFill>
-                  <a:srgbClr val="D8DEE9"/>
-                </a:solidFill>
-                <a:effectLst/>
-                <a:latin typeface="Menlo" panose="020B0609030804020204" pitchFamily="49" charset="0"/>
-              </a:rPr>
-              <a:t>api</a:t>
-            </a:r>
-            <a:r>
-              <a:rPr lang="en-US" sz="1600" b="0" dirty="0">
-                <a:solidFill>
-                  <a:srgbClr val="D8DEE9"/>
-                </a:solidFill>
-                <a:effectLst/>
-                <a:latin typeface="Menlo" panose="020B0609030804020204" pitchFamily="49" charset="0"/>
-              </a:rPr>
-              <a:t>/stock/&lt;ticker&gt;?date=YYYY-MM-DD</a:t>
-            </a:r>
-          </a:p>
-          <a:p>
-            <a:pPr>
-              <a:lnSpc>
-                <a:spcPct val="150000"/>
-              </a:lnSpc>
-              <a:buNone/>
-            </a:pPr>
-            <a:r>
-              <a:rPr lang="en-US" sz="1600" b="0" dirty="0">
-                <a:solidFill>
-                  <a:srgbClr val="D8DEE9"/>
-                </a:solidFill>
-                <a:effectLst/>
-                <a:latin typeface="Menlo" panose="020B0609030804020204" pitchFamily="49" charset="0"/>
-              </a:rPr>
-              <a:t>	Get stock data for a specific ticker on a particular date.</a:t>
-            </a:r>
-            <a:br>
-              <a:rPr lang="en-US" sz="1600" b="0" dirty="0">
-                <a:solidFill>
-                  <a:srgbClr val="D8DEE9"/>
-                </a:solidFill>
-                <a:effectLst/>
-                <a:latin typeface="Menlo" panose="020B0609030804020204" pitchFamily="49" charset="0"/>
-              </a:rPr>
-            </a:br>
-            <a:endParaRPr lang="en-US" sz="1600" b="0" dirty="0">
-              <a:solidFill>
-                <a:srgbClr val="D8DEE9"/>
-              </a:solidFill>
-              <a:effectLst/>
-              <a:latin typeface="Menlo" panose="020B0609030804020204" pitchFamily="49" charset="0"/>
-            </a:endParaRPr>
-          </a:p>
-        </p:txBody>
-      </p:sp>
-    </p:spTree>
-    <p:extLst>
-      <p:ext uri="{BB962C8B-B14F-4D97-AF65-F5344CB8AC3E}">
-        <p14:creationId xmlns:p14="http://schemas.microsoft.com/office/powerpoint/2010/main" val="1689236049"/>
       </p:ext>
     </p:extLst>
   </p:cSld>
